--- a/presentations/meilenstein1_v1.pptx
+++ b/presentations/meilenstein1_v1.pptx
@@ -23,6 +23,13 @@
   </p:sldIdLst>
   <p:sldSz cx="9144000" cy="6858000" type="screen4x3"/>
   <p:notesSz cx="7099300" cy="10234613"/>
+  <p:embeddedFontLst>
+    <p:embeddedFont>
+      <p:font typeface="Tahoma" pitchFamily="34" charset="0"/>
+      <p:regular r:id="rId13"/>
+      <p:bold r:id="rId14"/>
+    </p:embeddedFont>
+  </p:embeddedFontLst>
   <p:defaultTextStyle>
     <a:defPPr>
       <a:defRPr lang="de-AT"/>
@@ -361,7 +368,7 @@
               <a:pPr>
                 <a:defRPr/>
               </a:pPr>
-              <a:t>‹#›</a:t>
+              <a:t>‹Nr.›</a:t>
             </a:fld>
             <a:endParaRPr lang="de-AT"/>
           </a:p>
@@ -688,7 +695,7 @@
               <a:pPr>
                 <a:defRPr/>
               </a:pPr>
-              <a:t>‹#›</a:t>
+              <a:t>‹Nr.›</a:t>
             </a:fld>
             <a:endParaRPr lang="de-AT"/>
           </a:p>
@@ -1030,7 +1037,7 @@
               <a:pPr>
                 <a:defRPr/>
               </a:pPr>
-              <a:t>‹#›</a:t>
+              <a:t>‹Nr.›</a:t>
             </a:fld>
             <a:endParaRPr lang="de-AT"/>
           </a:p>
@@ -1229,7 +1236,7 @@
               <a:pPr>
                 <a:defRPr/>
               </a:pPr>
-              <a:t>‹#›</a:t>
+              <a:t>‹Nr.›</a:t>
             </a:fld>
             <a:endParaRPr lang="de-AT"/>
           </a:p>
@@ -1438,7 +1445,7 @@
               <a:pPr>
                 <a:defRPr/>
               </a:pPr>
-              <a:t>‹#›</a:t>
+              <a:t>‹Nr.›</a:t>
             </a:fld>
             <a:endParaRPr lang="de-AT"/>
           </a:p>
@@ -1637,7 +1644,7 @@
               <a:pPr>
                 <a:defRPr/>
               </a:pPr>
-              <a:t>‹#›</a:t>
+              <a:t>‹Nr.›</a:t>
             </a:fld>
             <a:endParaRPr lang="de-AT"/>
           </a:p>
@@ -1858,7 +1865,7 @@
               <a:pPr>
                 <a:defRPr/>
               </a:pPr>
-              <a:t>‹#›</a:t>
+              <a:t>‹Nr.›</a:t>
             </a:fld>
             <a:endParaRPr lang="de-AT"/>
           </a:p>
@@ -2175,7 +2182,7 @@
               <a:pPr>
                 <a:defRPr/>
               </a:pPr>
-              <a:t>‹#›</a:t>
+              <a:t>‹Nr.›</a:t>
             </a:fld>
             <a:endParaRPr lang="de-AT"/>
           </a:p>
@@ -2631,7 +2638,7 @@
               <a:pPr>
                 <a:defRPr/>
               </a:pPr>
-              <a:t>‹#›</a:t>
+              <a:t>‹Nr.›</a:t>
             </a:fld>
             <a:endParaRPr lang="de-AT"/>
           </a:p>
@@ -2778,7 +2785,7 @@
               <a:pPr>
                 <a:defRPr/>
               </a:pPr>
-              <a:t>‹#›</a:t>
+              <a:t>‹Nr.›</a:t>
             </a:fld>
             <a:endParaRPr lang="de-AT"/>
           </a:p>
@@ -2902,7 +2909,7 @@
               <a:pPr>
                 <a:defRPr/>
               </a:pPr>
-              <a:t>‹#›</a:t>
+              <a:t>‹Nr.›</a:t>
             </a:fld>
             <a:endParaRPr lang="de-AT"/>
           </a:p>
@@ -3208,7 +3215,7 @@
               <a:pPr>
                 <a:defRPr/>
               </a:pPr>
-              <a:t>‹#›</a:t>
+              <a:t>‹Nr.›</a:t>
             </a:fld>
             <a:endParaRPr lang="de-AT"/>
           </a:p>
@@ -3491,7 +3498,7 @@
               <a:pPr>
                 <a:defRPr/>
               </a:pPr>
-              <a:t>‹#›</a:t>
+              <a:t>‹Nr.›</a:t>
             </a:fld>
             <a:endParaRPr lang="de-AT"/>
           </a:p>
@@ -3842,7 +3849,7 @@
               <a:pPr>
                 <a:defRPr/>
               </a:pPr>
-              <a:t>‹#›</a:t>
+              <a:t>‹Nr.›</a:t>
             </a:fld>
             <a:endParaRPr lang="de-AT"/>
           </a:p>
@@ -4491,7 +4498,7 @@
   <p:timing>
     <p:tnLst>
       <p:par>
-        <p:cTn xmlns:p14="http://schemas.microsoft.com/office/powerpoint/2010/main" id="1" dur="indefinite" restart="never" nodeType="tmRoot"/>
+        <p:cTn id="1" dur="indefinite" restart="never" nodeType="tmRoot"/>
       </p:par>
     </p:tnLst>
   </p:timing>
@@ -4774,7 +4781,7 @@
   <p:timing>
     <p:tnLst>
       <p:par>
-        <p:cTn xmlns:p14="http://schemas.microsoft.com/office/powerpoint/2010/main" id="1" dur="indefinite" restart="never" nodeType="tmRoot"/>
+        <p:cTn id="1" dur="indefinite" restart="never" nodeType="tmRoot"/>
       </p:par>
     </p:tnLst>
   </p:timing>
@@ -4924,17 +4931,8 @@
             </a:pPr>
             <a:r>
               <a:rPr lang="de-DE" dirty="0" smtClean="0"/>
-              <a:t>Das Spiel ist </a:t>
-            </a:r>
-            <a:r>
-              <a:rPr lang="de-DE" dirty="0" smtClean="0"/>
-              <a:t>rundenbasiert</a:t>
-            </a:r>
-            <a:r>
-              <a:rPr lang="de-DE" dirty="0" smtClean="0"/>
-              <a:t>. </a:t>
-            </a:r>
-            <a:endParaRPr lang="de-DE" dirty="0" smtClean="0"/>
+              <a:t>Das Spiel ist rundenbasiert. </a:t>
+            </a:r>
           </a:p>
           <a:p>
             <a:pPr eaLnBrk="1" hangingPunct="1">
@@ -4944,13 +4942,8 @@
             </a:pPr>
             <a:r>
               <a:rPr lang="de-DE" dirty="0" smtClean="0"/>
-              <a:t>In </a:t>
-            </a:r>
-            <a:r>
-              <a:rPr lang="de-DE" dirty="0" smtClean="0"/>
-              <a:t>jeder Runde hat der Spieler Zeit mit seinen Ressourcen neue Gebäude und Waffen zu positionieren. </a:t>
-            </a:r>
-            <a:endParaRPr lang="de-DE" dirty="0" smtClean="0"/>
+              <a:t>In jeder Runde hat der Spieler Zeit mit seinen Ressourcen neue Gebäude und Waffen zu positionieren. </a:t>
+            </a:r>
           </a:p>
           <a:p>
             <a:pPr eaLnBrk="1" hangingPunct="1">
@@ -4968,15 +4961,7 @@
             </a:r>
             <a:r>
               <a:rPr lang="de-DE" dirty="0" smtClean="0"/>
-              <a:t>blauf der vorgegebenen Zeit </a:t>
-            </a:r>
-            <a:r>
-              <a:rPr lang="de-DE" dirty="0" smtClean="0"/>
-              <a:t>werden </a:t>
-            </a:r>
-            <a:r>
-              <a:rPr lang="de-DE" dirty="0" smtClean="0"/>
-              <a:t>die gesetzten Spielzüge ausgeführt.</a:t>
+              <a:t>blauf der vorgegebenen Zeit werden die gesetzten Spielzüge ausgeführt.</a:t>
             </a:r>
           </a:p>
         </p:txBody>
@@ -4989,7 +4974,7 @@
   <p:timing>
     <p:tnLst>
       <p:par>
-        <p:cTn xmlns:p14="http://schemas.microsoft.com/office/powerpoint/2010/main" id="1" dur="indefinite" restart="never" nodeType="tmRoot"/>
+        <p:cTn id="1" dur="indefinite" restart="never" nodeType="tmRoot"/>
       </p:par>
     </p:tnLst>
   </p:timing>
@@ -5132,10 +5117,78 @@
           <a:bodyPr/>
           <a:lstStyle/>
           <a:p>
+            <a:pPr lvl="1" eaLnBrk="1" hangingPunct="1"/>
+            <a:endParaRPr lang="de-CH" smtClean="0"/>
+          </a:p>
+          <a:p>
+            <a:pPr lvl="1" eaLnBrk="1" hangingPunct="1"/>
+            <a:r>
+              <a:rPr lang="de-CH" smtClean="0"/>
+              <a:t>Server </a:t>
+            </a:r>
+            <a:r>
+              <a:rPr lang="de-CH" dirty="0" smtClean="0"/>
+              <a:t>speichert und überprüft alle Spielzüge</a:t>
+            </a:r>
+          </a:p>
+          <a:p>
+            <a:pPr lvl="1" eaLnBrk="1" hangingPunct="1"/>
+            <a:r>
+              <a:rPr lang="de-CH" dirty="0" smtClean="0"/>
+              <a:t>Server stellt die Kommunikation zwischen den Spielern sicher</a:t>
+            </a:r>
+          </a:p>
+          <a:p>
+            <a:pPr lvl="2" eaLnBrk="1" hangingPunct="1"/>
+            <a:r>
+              <a:rPr lang="de-CH" dirty="0" smtClean="0"/>
+              <a:t>Spielstände</a:t>
+            </a:r>
+          </a:p>
+          <a:p>
+            <a:pPr lvl="2" eaLnBrk="1" hangingPunct="1"/>
+            <a:r>
+              <a:rPr lang="de-CH" dirty="0" smtClean="0"/>
+              <a:t>Chat</a:t>
+            </a:r>
+          </a:p>
+          <a:p>
+            <a:pPr lvl="2" eaLnBrk="1" hangingPunct="1"/>
+            <a:r>
+              <a:rPr lang="de-CH" dirty="0" smtClean="0"/>
+              <a:t>Züge</a:t>
+            </a:r>
+          </a:p>
+          <a:p>
+            <a:pPr lvl="2" eaLnBrk="1" hangingPunct="1"/>
+            <a:r>
+              <a:rPr lang="de-CH" dirty="0" smtClean="0"/>
+              <a:t>Aktuelle Runde</a:t>
+            </a:r>
+          </a:p>
+          <a:p>
             <a:pPr eaLnBrk="1" hangingPunct="1"/>
-            <a:r>
-              <a:rPr lang="de-CH" i="1" smtClean="0"/>
-              <a:t>Abgeleitet aus Spielidee und Spielregeln</a:t>
+            <a:endParaRPr lang="de-CH" dirty="0" smtClean="0"/>
+          </a:p>
+          <a:p>
+            <a:pPr lvl="1"/>
+            <a:r>
+              <a:rPr lang="de-CH" dirty="0" smtClean="0"/>
+              <a:t>Client stellt den Spielstand dar</a:t>
+            </a:r>
+          </a:p>
+          <a:p>
+            <a:pPr lvl="1"/>
+            <a:r>
+              <a:rPr lang="de-CH" dirty="0" smtClean="0"/>
+              <a:t>Rendert alle Animationen zwischen den Runden</a:t>
+            </a:r>
+          </a:p>
+          <a:p>
+            <a:pPr lvl="1"/>
+            <a:r>
+              <a:rPr lang="de-CH" dirty="0" smtClean="0"/>
+              <a:t>Erfasst alle Spielzüge bis zur nächsten Runde</a:t>
             </a:r>
           </a:p>
         </p:txBody>
@@ -5148,7 +5201,7 @@
   <p:timing>
     <p:tnLst>
       <p:par>
-        <p:cTn xmlns:p14="http://schemas.microsoft.com/office/powerpoint/2010/main" id="1" dur="indefinite" restart="never" nodeType="tmRoot"/>
+        <p:cTn id="1" dur="indefinite" restart="never" nodeType="tmRoot"/>
       </p:par>
     </p:tnLst>
   </p:timing>
@@ -5508,7 +5561,7 @@
   <p:timing>
     <p:tnLst>
       <p:par>
-        <p:cTn xmlns:p14="http://schemas.microsoft.com/office/powerpoint/2010/main" id="1" dur="indefinite" restart="never" nodeType="tmRoot"/>
+        <p:cTn id="1" dur="indefinite" restart="never" nodeType="tmRoot"/>
       </p:par>
     </p:tnLst>
   </p:timing>
@@ -5700,7 +5753,7 @@
   <p:timing>
     <p:tnLst>
       <p:par>
-        <p:cTn xmlns:p14="http://schemas.microsoft.com/office/powerpoint/2010/main" id="1" dur="indefinite" restart="never" nodeType="tmRoot"/>
+        <p:cTn id="1" dur="indefinite" restart="never" nodeType="tmRoot"/>
       </p:par>
     </p:tnLst>
   </p:timing>
@@ -5890,15 +5943,7 @@
             </a:pPr>
             <a:r>
               <a:rPr lang="de-CH" dirty="0" smtClean="0"/>
-              <a:t>Die Dokumentation des Spieles </a:t>
-            </a:r>
-            <a:r>
-              <a:rPr lang="de-CH" dirty="0" smtClean="0"/>
-              <a:t>und Codes wird </a:t>
-            </a:r>
-            <a:r>
-              <a:rPr lang="de-CH" dirty="0" smtClean="0"/>
-              <a:t>mit </a:t>
+              <a:t>Die Dokumentation des Spieles und Codes wird mit </a:t>
             </a:r>
             <a:r>
               <a:rPr lang="de-CH" dirty="0"/>
@@ -5928,11 +5973,7 @@
             </a:r>
             <a:r>
               <a:rPr lang="de-CH" dirty="0" smtClean="0"/>
-              <a:t>) und </a:t>
-            </a:r>
-            <a:r>
-              <a:rPr lang="de-CH" dirty="0" smtClean="0"/>
-              <a:t>mit </a:t>
+              <a:t>) und mit </a:t>
             </a:r>
             <a:r>
               <a:rPr lang="de-CH" dirty="0" err="1" smtClean="0"/>
@@ -5940,11 +5981,7 @@
             </a:r>
             <a:r>
               <a:rPr lang="de-CH" dirty="0" smtClean="0"/>
-              <a:t> </a:t>
-            </a:r>
-            <a:r>
-              <a:rPr lang="de-CH" dirty="0" smtClean="0"/>
-              <a:t>realisiert</a:t>
+              <a:t> realisiert</a:t>
             </a:r>
             <a:r>
               <a:rPr lang="de-CH" i="1" dirty="0" smtClean="0"/>
@@ -5962,7 +5999,7 @@
           <p:nvPr/>
         </p:nvPicPr>
         <p:blipFill>
-          <a:blip r:embed="rId4">
+          <a:blip r:embed="rId4" cstate="print">
             <a:extLst>
               <a:ext uri="{28A0092B-C50C-407E-A947-70E740481C1C}">
                 <a14:useLocalDpi xmlns:a14="http://schemas.microsoft.com/office/drawing/2010/main" val="0"/>
@@ -5992,7 +6029,7 @@
           <p:nvPr/>
         </p:nvPicPr>
         <p:blipFill>
-          <a:blip r:embed="rId5">
+          <a:blip r:embed="rId5" cstate="print">
             <a:extLst>
               <a:ext uri="{28A0092B-C50C-407E-A947-70E740481C1C}">
                 <a14:useLocalDpi xmlns:a14="http://schemas.microsoft.com/office/drawing/2010/main" val="0"/>
@@ -6021,7 +6058,7 @@
   <p:timing>
     <p:tnLst>
       <p:par>
-        <p:cTn xmlns:p14="http://schemas.microsoft.com/office/powerpoint/2010/main" id="1" dur="indefinite" restart="never" nodeType="tmRoot"/>
+        <p:cTn id="1" dur="indefinite" restart="never" nodeType="tmRoot"/>
       </p:par>
     </p:tnLst>
   </p:timing>

--- a/presentations/meilenstein1_v1.pptx
+++ b/presentations/meilenstein1_v1.pptx
@@ -5,31 +5,25 @@
     <p:sldMasterId id="2147483648" r:id="rId1"/>
   </p:sldMasterIdLst>
   <p:notesMasterIdLst>
-    <p:notesMasterId r:id="rId11"/>
+    <p:notesMasterId r:id="rId12"/>
   </p:notesMasterIdLst>
   <p:handoutMasterIdLst>
-    <p:handoutMasterId r:id="rId12"/>
+    <p:handoutMasterId r:id="rId13"/>
   </p:handoutMasterIdLst>
   <p:sldIdLst>
     <p:sldId id="410" r:id="rId2"/>
     <p:sldId id="377" r:id="rId3"/>
-    <p:sldId id="424" r:id="rId4"/>
-    <p:sldId id="426" r:id="rId5"/>
-    <p:sldId id="429" r:id="rId6"/>
+    <p:sldId id="429" r:id="rId4"/>
+    <p:sldId id="424" r:id="rId5"/>
+    <p:sldId id="426" r:id="rId6"/>
     <p:sldId id="427" r:id="rId7"/>
-    <p:sldId id="411" r:id="rId8"/>
-    <p:sldId id="425" r:id="rId9"/>
-    <p:sldId id="428" r:id="rId10"/>
+    <p:sldId id="430" r:id="rId8"/>
+    <p:sldId id="411" r:id="rId9"/>
+    <p:sldId id="425" r:id="rId10"/>
+    <p:sldId id="428" r:id="rId11"/>
   </p:sldIdLst>
   <p:sldSz cx="9144000" cy="6858000" type="screen4x3"/>
   <p:notesSz cx="7099300" cy="10234613"/>
-  <p:embeddedFontLst>
-    <p:embeddedFont>
-      <p:font typeface="Tahoma" pitchFamily="34" charset="0"/>
-      <p:regular r:id="rId13"/>
-      <p:bold r:id="rId14"/>
-    </p:embeddedFont>
-  </p:embeddedFontLst>
   <p:defaultTextStyle>
     <a:defPPr>
       <a:defRPr lang="de-AT"/>
@@ -368,7 +362,7 @@
               <a:pPr>
                 <a:defRPr/>
               </a:pPr>
-              <a:t>‹Nr.›</a:t>
+              <a:t>‹#›</a:t>
             </a:fld>
             <a:endParaRPr lang="de-AT"/>
           </a:p>
@@ -695,7 +689,7 @@
               <a:pPr>
                 <a:defRPr/>
               </a:pPr>
-              <a:t>‹Nr.›</a:t>
+              <a:t>‹#›</a:t>
             </a:fld>
             <a:endParaRPr lang="de-AT"/>
           </a:p>
@@ -1037,7 +1031,7 @@
               <a:pPr>
                 <a:defRPr/>
               </a:pPr>
-              <a:t>‹Nr.›</a:t>
+              <a:t>‹#›</a:t>
             </a:fld>
             <a:endParaRPr lang="de-AT"/>
           </a:p>
@@ -1236,7 +1230,7 @@
               <a:pPr>
                 <a:defRPr/>
               </a:pPr>
-              <a:t>‹Nr.›</a:t>
+              <a:t>‹#›</a:t>
             </a:fld>
             <a:endParaRPr lang="de-AT"/>
           </a:p>
@@ -1445,7 +1439,7 @@
               <a:pPr>
                 <a:defRPr/>
               </a:pPr>
-              <a:t>‹Nr.›</a:t>
+              <a:t>‹#›</a:t>
             </a:fld>
             <a:endParaRPr lang="de-AT"/>
           </a:p>
@@ -1644,7 +1638,7 @@
               <a:pPr>
                 <a:defRPr/>
               </a:pPr>
-              <a:t>‹Nr.›</a:t>
+              <a:t>‹#›</a:t>
             </a:fld>
             <a:endParaRPr lang="de-AT"/>
           </a:p>
@@ -1865,7 +1859,7 @@
               <a:pPr>
                 <a:defRPr/>
               </a:pPr>
-              <a:t>‹Nr.›</a:t>
+              <a:t>‹#›</a:t>
             </a:fld>
             <a:endParaRPr lang="de-AT"/>
           </a:p>
@@ -2182,7 +2176,7 @@
               <a:pPr>
                 <a:defRPr/>
               </a:pPr>
-              <a:t>‹Nr.›</a:t>
+              <a:t>‹#›</a:t>
             </a:fld>
             <a:endParaRPr lang="de-AT"/>
           </a:p>
@@ -2638,7 +2632,7 @@
               <a:pPr>
                 <a:defRPr/>
               </a:pPr>
-              <a:t>‹Nr.›</a:t>
+              <a:t>‹#›</a:t>
             </a:fld>
             <a:endParaRPr lang="de-AT"/>
           </a:p>
@@ -2785,7 +2779,7 @@
               <a:pPr>
                 <a:defRPr/>
               </a:pPr>
-              <a:t>‹Nr.›</a:t>
+              <a:t>‹#›</a:t>
             </a:fld>
             <a:endParaRPr lang="de-AT"/>
           </a:p>
@@ -2909,7 +2903,7 @@
               <a:pPr>
                 <a:defRPr/>
               </a:pPr>
-              <a:t>‹Nr.›</a:t>
+              <a:t>‹#›</a:t>
             </a:fld>
             <a:endParaRPr lang="de-AT"/>
           </a:p>
@@ -3215,7 +3209,7 @@
               <a:pPr>
                 <a:defRPr/>
               </a:pPr>
-              <a:t>‹Nr.›</a:t>
+              <a:t>‹#›</a:t>
             </a:fld>
             <a:endParaRPr lang="de-AT"/>
           </a:p>
@@ -3498,7 +3492,7 @@
               <a:pPr>
                 <a:defRPr/>
               </a:pPr>
-              <a:t>‹Nr.›</a:t>
+              <a:t>‹#›</a:t>
             </a:fld>
             <a:endParaRPr lang="de-AT"/>
           </a:p>
@@ -3849,7 +3843,7 @@
               <a:pPr>
                 <a:defRPr/>
               </a:pPr>
-              <a:t>‹Nr.›</a:t>
+              <a:t>‹#›</a:t>
             </a:fld>
             <a:endParaRPr lang="de-AT"/>
           </a:p>
@@ -4498,10 +4492,158 @@
   <p:timing>
     <p:tnLst>
       <p:par>
-        <p:cTn id="1" dur="indefinite" restart="never" nodeType="tmRoot"/>
+        <p:cTn xmlns:p14="http://schemas.microsoft.com/office/powerpoint/2010/main" id="1" dur="indefinite" restart="never" nodeType="tmRoot"/>
       </p:par>
     </p:tnLst>
   </p:timing>
+</p:sld>
+</file>
+
+<file path=ppt/slides/slide10.xml><?xml version="1.0" encoding="utf-8"?>
+<p:sld xmlns:a="http://schemas.openxmlformats.org/drawingml/2006/main" xmlns:r="http://schemas.openxmlformats.org/officeDocument/2006/relationships" xmlns:p="http://schemas.openxmlformats.org/presentationml/2006/main">
+  <p:cSld>
+    <p:spTree>
+      <p:nvGrpSpPr>
+        <p:cNvPr id="1" name=""/>
+        <p:cNvGrpSpPr/>
+        <p:nvPr/>
+      </p:nvGrpSpPr>
+      <p:grpSpPr>
+        <a:xfrm>
+          <a:off x="0" y="0"/>
+          <a:ext cx="0" cy="0"/>
+          <a:chOff x="0" y="0"/>
+          <a:chExt cx="0" cy="0"/>
+        </a:xfrm>
+      </p:grpSpPr>
+      <p:sp>
+        <p:nvSpPr>
+          <p:cNvPr id="2" name="Title 1"/>
+          <p:cNvSpPr>
+            <a:spLocks noGrp="1"/>
+          </p:cNvSpPr>
+          <p:nvPr>
+            <p:ph type="title"/>
+          </p:nvPr>
+        </p:nvSpPr>
+        <p:spPr/>
+        <p:txBody>
+          <a:bodyPr/>
+          <a:lstStyle/>
+          <a:p>
+            <a:endParaRPr lang="en-US" dirty="0"/>
+          </a:p>
+        </p:txBody>
+      </p:sp>
+      <p:sp>
+        <p:nvSpPr>
+          <p:cNvPr id="3" name="Content Placeholder 2"/>
+          <p:cNvSpPr>
+            <a:spLocks noGrp="1"/>
+          </p:cNvSpPr>
+          <p:nvPr>
+            <p:ph idx="1"/>
+          </p:nvPr>
+        </p:nvSpPr>
+        <p:spPr/>
+        <p:txBody>
+          <a:bodyPr/>
+          <a:lstStyle/>
+          <a:p>
+            <a:r>
+              <a:rPr lang="de-CH" i="1" dirty="0" smtClean="0"/>
+              <a:t>Falls es weitere wichtige Informationen zum Spiel, zu Ihrem Projekt, zur Gruppenarbeit, etc. gibt, dann bitte hier diskutieren</a:t>
+            </a:r>
+            <a:endParaRPr lang="en-US" i="1" dirty="0"/>
+          </a:p>
+        </p:txBody>
+      </p:sp>
+      <p:sp>
+        <p:nvSpPr>
+          <p:cNvPr id="4" name="Date Placeholder 3"/>
+          <p:cNvSpPr>
+            <a:spLocks noGrp="1"/>
+          </p:cNvSpPr>
+          <p:nvPr>
+            <p:ph type="dt" sz="half" idx="10"/>
+          </p:nvPr>
+        </p:nvSpPr>
+        <p:spPr/>
+        <p:txBody>
+          <a:bodyPr/>
+          <a:lstStyle/>
+          <a:p>
+            <a:pPr>
+              <a:defRPr/>
+            </a:pPr>
+            <a:r>
+              <a:rPr lang="en-US" smtClean="0"/>
+              <a:t>FS 2012</a:t>
+            </a:r>
+            <a:endParaRPr lang="de-AT"/>
+          </a:p>
+        </p:txBody>
+      </p:sp>
+      <p:sp>
+        <p:nvSpPr>
+          <p:cNvPr id="5" name="Footer Placeholder 4"/>
+          <p:cNvSpPr>
+            <a:spLocks noGrp="1"/>
+          </p:cNvSpPr>
+          <p:nvPr>
+            <p:ph type="ftr" sz="quarter" idx="11"/>
+          </p:nvPr>
+        </p:nvSpPr>
+        <p:spPr/>
+        <p:txBody>
+          <a:bodyPr/>
+          <a:lstStyle/>
+          <a:p>
+            <a:pPr>
+              <a:defRPr/>
+            </a:pPr>
+            <a:r>
+              <a:rPr lang="de-AT" smtClean="0"/>
+              <a:t>cs108 – Meilenstein I   </a:t>
+            </a:r>
+            <a:endParaRPr lang="de-AT"/>
+          </a:p>
+        </p:txBody>
+      </p:sp>
+      <p:sp>
+        <p:nvSpPr>
+          <p:cNvPr id="6" name="Slide Number Placeholder 5"/>
+          <p:cNvSpPr>
+            <a:spLocks noGrp="1"/>
+          </p:cNvSpPr>
+          <p:nvPr>
+            <p:ph type="sldNum" sz="quarter" idx="12"/>
+          </p:nvPr>
+        </p:nvSpPr>
+        <p:spPr/>
+        <p:txBody>
+          <a:bodyPr/>
+          <a:lstStyle/>
+          <a:p>
+            <a:pPr>
+              <a:defRPr/>
+            </a:pPr>
+            <a:fld id="{9629D89E-9C9E-4E60-BF0D-78BD315CFFE9}" type="slidenum">
+              <a:rPr lang="de-AT" smtClean="0"/>
+              <a:pPr>
+                <a:defRPr/>
+              </a:pPr>
+              <a:t>10</a:t>
+            </a:fld>
+            <a:endParaRPr lang="de-AT"/>
+          </a:p>
+        </p:txBody>
+      </p:sp>
+    </p:spTree>
+  </p:cSld>
+  <p:clrMapOvr>
+    <a:masterClrMapping/>
+  </p:clrMapOvr>
 </p:sld>
 </file>
 
@@ -4619,10 +4761,10 @@
           <a:p>
             <a:pPr eaLnBrk="1" hangingPunct="1"/>
             <a:r>
-              <a:rPr lang="de-DE" smtClean="0"/>
+              <a:rPr lang="de-DE" dirty="0" smtClean="0"/>
               <a:t>Spielbeschreibung</a:t>
             </a:r>
-            <a:endParaRPr lang="de-AT" smtClean="0"/>
+            <a:endParaRPr lang="de-AT" dirty="0" smtClean="0"/>
           </a:p>
         </p:txBody>
       </p:sp>
@@ -4663,33 +4805,6 @@
                 <a:spcPct val="40000"/>
               </a:spcBef>
             </a:pPr>
-            <a:r>
-              <a:rPr lang="de-DE" dirty="0" smtClean="0"/>
-              <a:t>Der </a:t>
-            </a:r>
-            <a:r>
-              <a:rPr lang="de-DE" dirty="0"/>
-              <a:t>Spieler übernimmt die Vollmacht über </a:t>
-            </a:r>
-            <a:r>
-              <a:rPr lang="de-DE" dirty="0" smtClean="0"/>
-              <a:t>ein Gebiet. </a:t>
-            </a:r>
-            <a:r>
-              <a:rPr lang="de-DE" dirty="0"/>
-              <a:t>Sein Ziel ist es den </a:t>
-            </a:r>
-            <a:r>
-              <a:rPr lang="de-DE" dirty="0" smtClean="0"/>
-              <a:t>Gebiet zum </a:t>
-            </a:r>
-            <a:r>
-              <a:rPr lang="de-DE" dirty="0"/>
-              <a:t>bevölkerungsreichsten und damit mächtigsten der Schweiz zu machen.</a:t>
-            </a:r>
-            <a:br>
-              <a:rPr lang="de-DE" dirty="0"/>
-            </a:br>
             <a:endParaRPr lang="de-DE" dirty="0" smtClean="0"/>
           </a:p>
           <a:p>
@@ -4700,12 +4815,51 @@
             </a:pPr>
             <a:r>
               <a:rPr lang="de-DE" dirty="0" smtClean="0"/>
-              <a:t>Mit </a:t>
+              <a:t>Der </a:t>
             </a:r>
             <a:r>
               <a:rPr lang="de-DE" dirty="0"/>
-              <a:t>den zu Verfügung stehenden Waffen (Panzer, Raketen, Flugzeuge) können die anderen Kantone angegriffen werden. </a:t>
-            </a:r>
+              <a:t>Spieler übernimmt die Vollmacht über </a:t>
+            </a:r>
+            <a:r>
+              <a:rPr lang="de-DE" dirty="0" smtClean="0"/>
+              <a:t>ein Gebiet. </a:t>
+            </a:r>
+            <a:r>
+              <a:rPr lang="de-DE" dirty="0"/>
+              <a:t>Sein Ziel ist es den </a:t>
+            </a:r>
+            <a:r>
+              <a:rPr lang="de-DE" dirty="0" smtClean="0"/>
+              <a:t>Kanton zum </a:t>
+            </a:r>
+            <a:r>
+              <a:rPr lang="de-DE" dirty="0"/>
+              <a:t>b</a:t>
+            </a:r>
+            <a:r>
+              <a:rPr lang="de-DE" dirty="0" smtClean="0"/>
+              <a:t>evölkerungsreichsten </a:t>
+            </a:r>
+            <a:r>
+              <a:rPr lang="de-DE" dirty="0"/>
+              <a:t>und damit </a:t>
+            </a:r>
+            <a:r>
+              <a:rPr lang="de-DE" dirty="0"/>
+              <a:t>m</a:t>
+            </a:r>
+            <a:r>
+              <a:rPr lang="de-DE" dirty="0" smtClean="0"/>
+              <a:t>ächtigsten </a:t>
+            </a:r>
+            <a:r>
+              <a:rPr lang="de-DE" dirty="0"/>
+              <a:t>der Schweiz zu machen.</a:t>
+            </a:r>
+            <a:br>
+              <a:rPr lang="de-DE" dirty="0"/>
+            </a:br>
             <a:endParaRPr lang="de-DE" dirty="0" smtClean="0"/>
           </a:p>
           <a:p>
@@ -4716,15 +4870,12 @@
             </a:pPr>
             <a:r>
               <a:rPr lang="de-DE" dirty="0" smtClean="0"/>
-              <a:t>Zur </a:t>
+              <a:t>Mit </a:t>
             </a:r>
             <a:r>
               <a:rPr lang="de-DE" dirty="0"/>
-              <a:t>Verteidigung stehen dabei verschiedene Gebäude zur Verfügung(Gelddruckerei, Luftabwehr, Landabwehr, Radar, Reproduktionszentrum). </a:t>
-            </a:r>
-            <a:br>
-              <a:rPr lang="de-DE" dirty="0"/>
-            </a:br>
+              <a:t>den zu Verfügung stehenden Waffen (Panzer, Raketen, Flugzeuge) können die anderen Kantone angegriffen werden. </a:t>
+            </a:r>
             <a:endParaRPr lang="de-DE" dirty="0" smtClean="0"/>
           </a:p>
           <a:p>
@@ -4733,17 +4884,48 @@
                 <a:spcPct val="40000"/>
               </a:spcBef>
             </a:pPr>
+            <a:endParaRPr lang="de-DE" dirty="0" smtClean="0"/>
+          </a:p>
+          <a:p>
+            <a:pPr eaLnBrk="1" hangingPunct="1">
+              <a:spcBef>
+                <a:spcPct val="40000"/>
+              </a:spcBef>
+            </a:pPr>
+            <a:r>
+              <a:rPr lang="de-DE" dirty="0" smtClean="0"/>
+              <a:t>Zur </a:t>
+            </a:r>
+            <a:r>
+              <a:rPr lang="de-DE" dirty="0"/>
+              <a:t>Verteidigung stehen dabei verschiedene Gebäude zur Verfügung(Gelddruckerei, Luftabwehr, Landabwehr, Radar, Reproduktionszentrum). </a:t>
+            </a:r>
+            <a:br>
+              <a:rPr lang="de-DE" dirty="0"/>
+            </a:br>
+            <a:endParaRPr lang="de-DE" dirty="0" smtClean="0"/>
+          </a:p>
+          <a:p>
+            <a:pPr eaLnBrk="1" hangingPunct="1">
+              <a:spcBef>
+                <a:spcPct val="40000"/>
+              </a:spcBef>
+            </a:pPr>
             <a:r>
               <a:rPr lang="de-DE" dirty="0" smtClean="0"/>
               <a:t>Waffen </a:t>
             </a:r>
             <a:r>
               <a:rPr lang="de-DE" dirty="0"/>
-              <a:t>und Gebäude sind durch das Kantonsbudget beschränkt, jedoch führt </a:t>
+              <a:t>und Gebäude sind durch das Kantonsbudget beschränkt, jedoch </a:t>
+            </a:r>
+            <a:r>
+              <a:rPr lang="de-DE" dirty="0" err="1" smtClean="0"/>
+              <a:t>bescherrt</a:t>
             </a:r>
             <a:r>
               <a:rPr lang="de-DE" dirty="0" smtClean="0"/>
-              <a:t>der </a:t>
+              <a:t> der </a:t>
             </a:r>
             <a:r>
               <a:rPr lang="de-DE" dirty="0"/>
@@ -4781,7 +4963,7 @@
   <p:timing>
     <p:tnLst>
       <p:par>
-        <p:cTn id="1" dur="indefinite" restart="never" nodeType="tmRoot"/>
+        <p:cTn xmlns:p14="http://schemas.microsoft.com/office/powerpoint/2010/main" id="1" dur="indefinite" restart="never" nodeType="tmRoot"/>
       </p:par>
     </p:tnLst>
   </p:timing>
@@ -4807,21 +4989,68 @@
       </p:grpSpPr>
       <p:sp>
         <p:nvSpPr>
-          <p:cNvPr id="4098" name="Date Placeholder 3"/>
+          <p:cNvPr id="2" name="Title 1"/>
           <p:cNvSpPr>
             <a:spLocks noGrp="1"/>
           </p:cNvSpPr>
           <p:nvPr>
-            <p:ph type="dt" sz="quarter" idx="10"/>
-          </p:nvPr>
-        </p:nvSpPr>
-        <p:spPr>
-          <a:noFill/>
-        </p:spPr>
+            <p:ph type="title"/>
+          </p:nvPr>
+        </p:nvSpPr>
+        <p:spPr/>
         <p:txBody>
           <a:bodyPr/>
           <a:lstStyle/>
           <a:p>
+            <a:r>
+              <a:rPr lang="de-DE" dirty="0"/>
+              <a:t>Spielbeschreibung</a:t>
+            </a:r>
+            <a:endParaRPr lang="en-US" dirty="0"/>
+          </a:p>
+        </p:txBody>
+      </p:sp>
+      <p:sp>
+        <p:nvSpPr>
+          <p:cNvPr id="3" name="Content Placeholder 2"/>
+          <p:cNvSpPr>
+            <a:spLocks noGrp="1"/>
+          </p:cNvSpPr>
+          <p:nvPr>
+            <p:ph idx="1"/>
+          </p:nvPr>
+        </p:nvSpPr>
+        <p:spPr/>
+        <p:txBody>
+          <a:bodyPr/>
+          <a:lstStyle/>
+          <a:p>
+            <a:r>
+              <a:rPr lang="en-US" dirty="0" smtClean="0"/>
+              <a:t>Sketch:</a:t>
+            </a:r>
+            <a:endParaRPr lang="en-US" dirty="0"/>
+          </a:p>
+        </p:txBody>
+      </p:sp>
+      <p:sp>
+        <p:nvSpPr>
+          <p:cNvPr id="4" name="Date Placeholder 3"/>
+          <p:cNvSpPr>
+            <a:spLocks noGrp="1"/>
+          </p:cNvSpPr>
+          <p:nvPr>
+            <p:ph type="dt" sz="half" idx="10"/>
+          </p:nvPr>
+        </p:nvSpPr>
+        <p:spPr/>
+        <p:txBody>
+          <a:bodyPr/>
+          <a:lstStyle/>
+          <a:p>
+            <a:pPr>
+              <a:defRPr/>
+            </a:pPr>
             <a:r>
               <a:rPr lang="en-US" smtClean="0"/>
               <a:t>FS 2012</a:t>
@@ -4832,7 +5061,7 @@
       </p:sp>
       <p:sp>
         <p:nvSpPr>
-          <p:cNvPr id="4099" name="Footer Placeholder 4"/>
+          <p:cNvPr id="5" name="Footer Placeholder 4"/>
           <p:cNvSpPr>
             <a:spLocks noGrp="1"/>
           </p:cNvSpPr>
@@ -4840,28 +5069,25 @@
             <p:ph type="ftr" sz="quarter" idx="11"/>
           </p:nvPr>
         </p:nvSpPr>
-        <p:spPr>
-          <a:noFill/>
-        </p:spPr>
+        <p:spPr/>
         <p:txBody>
           <a:bodyPr/>
           <a:lstStyle/>
           <a:p>
-            <a:r>
-              <a:rPr lang="de-AT" smtClean="0">
-                <a:latin typeface="Tahoma" pitchFamily="32" charset="0"/>
-              </a:rPr>
+            <a:pPr>
+              <a:defRPr/>
+            </a:pPr>
+            <a:r>
+              <a:rPr lang="de-AT" smtClean="0"/>
               <a:t>cs108 – Meilenstein I   </a:t>
             </a:r>
-            <a:endParaRPr lang="de-AT">
-              <a:latin typeface="Tahoma" pitchFamily="32" charset="0"/>
-            </a:endParaRPr>
-          </a:p>
-        </p:txBody>
-      </p:sp>
-      <p:sp>
-        <p:nvSpPr>
-          <p:cNvPr id="4100" name="Slide Number Placeholder 5"/>
+            <a:endParaRPr lang="de-AT"/>
+          </a:p>
+        </p:txBody>
+      </p:sp>
+      <p:sp>
+        <p:nvSpPr>
+          <p:cNvPr id="6" name="Slide Number Placeholder 5"/>
           <p:cNvSpPr>
             <a:spLocks noGrp="1"/>
           </p:cNvSpPr>
@@ -4869,115 +5095,65 @@
             <p:ph type="sldNum" sz="quarter" idx="12"/>
           </p:nvPr>
         </p:nvSpPr>
-        <p:spPr>
-          <a:noFill/>
-        </p:spPr>
+        <p:spPr/>
         <p:txBody>
           <a:bodyPr/>
           <a:lstStyle/>
           <a:p>
-            <a:fld id="{07C3255C-410B-4F4F-A982-1A6AF8620C8D}" type="slidenum">
-              <a:rPr lang="de-AT"/>
-              <a:pPr/>
+            <a:pPr>
+              <a:defRPr/>
+            </a:pPr>
+            <a:fld id="{9629D89E-9C9E-4E60-BF0D-78BD315CFFE9}" type="slidenum">
+              <a:rPr lang="de-AT" smtClean="0"/>
+              <a:pPr>
+                <a:defRPr/>
+              </a:pPr>
               <a:t>3</a:t>
             </a:fld>
             <a:endParaRPr lang="de-AT"/>
           </a:p>
         </p:txBody>
       </p:sp>
-      <p:sp>
-        <p:nvSpPr>
-          <p:cNvPr id="4101" name="Rectangle 2"/>
-          <p:cNvSpPr>
-            <a:spLocks noGrp="1" noChangeArrowheads="1"/>
-          </p:cNvSpPr>
-          <p:nvPr>
-            <p:ph type="title"/>
-          </p:nvPr>
-        </p:nvSpPr>
-        <p:spPr/>
-        <p:txBody>
-          <a:bodyPr/>
-          <a:lstStyle/>
-          <a:p>
-            <a:pPr eaLnBrk="1" hangingPunct="1"/>
-            <a:r>
-              <a:rPr lang="de-CH" smtClean="0"/>
-              <a:t>Spielregeln</a:t>
-            </a:r>
-            <a:endParaRPr lang="de-DE" smtClean="0"/>
-          </a:p>
-        </p:txBody>
-      </p:sp>
-      <p:sp>
-        <p:nvSpPr>
-          <p:cNvPr id="4102" name="Rectangle 3"/>
-          <p:cNvSpPr>
-            <a:spLocks noGrp="1" noChangeArrowheads="1"/>
-          </p:cNvSpPr>
-          <p:nvPr>
-            <p:ph type="body" idx="1"/>
-          </p:nvPr>
-        </p:nvSpPr>
-        <p:spPr/>
-        <p:txBody>
-          <a:bodyPr/>
-          <a:lstStyle/>
-          <a:p>
-            <a:pPr eaLnBrk="1" hangingPunct="1">
-              <a:spcBef>
-                <a:spcPct val="40000"/>
-              </a:spcBef>
-            </a:pPr>
-            <a:r>
-              <a:rPr lang="de-DE" dirty="0" smtClean="0"/>
-              <a:t>Das Spiel ist rundenbasiert. </a:t>
-            </a:r>
-          </a:p>
-          <a:p>
-            <a:pPr eaLnBrk="1" hangingPunct="1">
-              <a:spcBef>
-                <a:spcPct val="40000"/>
-              </a:spcBef>
-            </a:pPr>
-            <a:r>
-              <a:rPr lang="de-DE" dirty="0" smtClean="0"/>
-              <a:t>In jeder Runde hat der Spieler Zeit mit seinen Ressourcen neue Gebäude und Waffen zu positionieren. </a:t>
-            </a:r>
-          </a:p>
-          <a:p>
-            <a:pPr eaLnBrk="1" hangingPunct="1">
-              <a:spcBef>
-                <a:spcPct val="40000"/>
-              </a:spcBef>
-            </a:pPr>
-            <a:r>
-              <a:rPr lang="de-DE" dirty="0" smtClean="0"/>
-              <a:t>Nach </a:t>
-            </a:r>
-            <a:r>
-              <a:rPr lang="de-DE" dirty="0"/>
-              <a:t>A</a:t>
-            </a:r>
-            <a:r>
-              <a:rPr lang="de-DE" dirty="0" smtClean="0"/>
-              <a:t>blauf der vorgegebenen Zeit werden die gesetzten Spielzüge ausgeführt.</a:t>
-            </a:r>
-          </a:p>
-        </p:txBody>
-      </p:sp>
+      <p:pic>
+        <p:nvPicPr>
+          <p:cNvPr id="7" name="Picture 6" descr="v3.png"/>
+          <p:cNvPicPr>
+            <a:picLocks noChangeAspect="1"/>
+          </p:cNvPicPr>
+          <p:nvPr/>
+        </p:nvPicPr>
+        <p:blipFill>
+          <a:blip r:embed="rId2">
+            <a:extLst>
+              <a:ext uri="{28A0092B-C50C-407E-A947-70E740481C1C}">
+                <a14:useLocalDpi xmlns:a14="http://schemas.microsoft.com/office/drawing/2010/main" val="0"/>
+              </a:ext>
+            </a:extLst>
+          </a:blip>
+          <a:stretch>
+            <a:fillRect/>
+          </a:stretch>
+        </p:blipFill>
+        <p:spPr>
+          <a:xfrm>
+            <a:off x="787647" y="1052736"/>
+            <a:ext cx="7607268" cy="5269644"/>
+          </a:xfrm>
+          <a:prstGeom prst="rect">
+            <a:avLst/>
+          </a:prstGeom>
+        </p:spPr>
+      </p:pic>
     </p:spTree>
+    <p:extLst>
+      <p:ext uri="{BB962C8B-B14F-4D97-AF65-F5344CB8AC3E}">
+        <p14:creationId xmlns:p14="http://schemas.microsoft.com/office/powerpoint/2010/main" val="804277104"/>
+      </p:ext>
+    </p:extLst>
   </p:cSld>
   <p:clrMapOvr>
     <a:masterClrMapping/>
   </p:clrMapOvr>
-  <p:timing>
-    <p:tnLst>
-      <p:par>
-        <p:cTn id="1" dur="indefinite" restart="never" nodeType="tmRoot"/>
-      </p:par>
-    </p:tnLst>
-  </p:timing>
 </p:sld>
 </file>
 
@@ -5000,7 +5176,7 @@
       </p:grpSpPr>
       <p:sp>
         <p:nvSpPr>
-          <p:cNvPr id="5122" name="Date Placeholder 3"/>
+          <p:cNvPr id="4098" name="Date Placeholder 3"/>
           <p:cNvSpPr>
             <a:spLocks noGrp="1"/>
           </p:cNvSpPr>
@@ -5025,7 +5201,7 @@
       </p:sp>
       <p:sp>
         <p:nvSpPr>
-          <p:cNvPr id="5123" name="Footer Placeholder 4"/>
+          <p:cNvPr id="4099" name="Footer Placeholder 4"/>
           <p:cNvSpPr>
             <a:spLocks noGrp="1"/>
           </p:cNvSpPr>
@@ -5054,7 +5230,7 @@
       </p:sp>
       <p:sp>
         <p:nvSpPr>
-          <p:cNvPr id="5124" name="Slide Number Placeholder 5"/>
+          <p:cNvPr id="4100" name="Slide Number Placeholder 5"/>
           <p:cNvSpPr>
             <a:spLocks noGrp="1"/>
           </p:cNvSpPr>
@@ -5069,7 +5245,7 @@
           <a:bodyPr/>
           <a:lstStyle/>
           <a:p>
-            <a:fld id="{65585AA8-D67B-4035-B713-30A57D4D6D67}" type="slidenum">
+            <a:fld id="{07C3255C-410B-4F4F-A982-1A6AF8620C8D}" type="slidenum">
               <a:rPr lang="de-AT"/>
               <a:pPr/>
               <a:t>4</a:t>
@@ -5080,7 +5256,7 @@
       </p:sp>
       <p:sp>
         <p:nvSpPr>
-          <p:cNvPr id="5125" name="Rectangle 2"/>
+          <p:cNvPr id="4101" name="Rectangle 2"/>
           <p:cNvSpPr>
             <a:spLocks noGrp="1" noChangeArrowheads="1"/>
           </p:cNvSpPr>
@@ -5095,101 +5271,161 @@
           <a:p>
             <a:pPr eaLnBrk="1" hangingPunct="1"/>
             <a:r>
-              <a:rPr lang="de-CH" dirty="0" smtClean="0"/>
-              <a:t>Anforderungen</a:t>
+              <a:rPr lang="de-CH" smtClean="0"/>
+              <a:t>Spielregeln</a:t>
+            </a:r>
+            <a:endParaRPr lang="de-DE" smtClean="0"/>
+          </a:p>
+        </p:txBody>
+      </p:sp>
+      <p:sp>
+        <p:nvSpPr>
+          <p:cNvPr id="4102" name="Rectangle 3"/>
+          <p:cNvSpPr>
+            <a:spLocks noGrp="1" noChangeArrowheads="1"/>
+          </p:cNvSpPr>
+          <p:nvPr>
+            <p:ph type="body" idx="1"/>
+          </p:nvPr>
+        </p:nvSpPr>
+        <p:spPr/>
+        <p:txBody>
+          <a:bodyPr/>
+          <a:lstStyle/>
+          <a:p>
+            <a:pPr eaLnBrk="1" hangingPunct="1">
+              <a:spcBef>
+                <a:spcPct val="40000"/>
+              </a:spcBef>
+            </a:pPr>
+            <a:r>
+              <a:rPr lang="de-DE" dirty="0" smtClean="0"/>
+              <a:t>Das Spiel ist </a:t>
+            </a:r>
+            <a:r>
+              <a:rPr lang="de-DE" dirty="0" smtClean="0"/>
+              <a:t>rundenbasiert</a:t>
             </a:r>
             <a:endParaRPr lang="de-DE" dirty="0" smtClean="0"/>
           </a:p>
-        </p:txBody>
-      </p:sp>
-      <p:sp>
-        <p:nvSpPr>
-          <p:cNvPr id="5126" name="Rectangle 3"/>
-          <p:cNvSpPr>
-            <a:spLocks noGrp="1" noChangeArrowheads="1"/>
-          </p:cNvSpPr>
-          <p:nvPr>
-            <p:ph type="body" idx="1"/>
-          </p:nvPr>
-        </p:nvSpPr>
-        <p:spPr/>
-        <p:txBody>
-          <a:bodyPr/>
-          <a:lstStyle/>
-          <a:p>
-            <a:pPr lvl="1" eaLnBrk="1" hangingPunct="1"/>
-            <a:endParaRPr lang="de-CH" smtClean="0"/>
-          </a:p>
-          <a:p>
-            <a:pPr lvl="1" eaLnBrk="1" hangingPunct="1"/>
-            <a:r>
-              <a:rPr lang="de-CH" smtClean="0"/>
-              <a:t>Server </a:t>
-            </a:r>
-            <a:r>
-              <a:rPr lang="de-CH" dirty="0" smtClean="0"/>
-              <a:t>speichert und überprüft alle Spielzüge</a:t>
-            </a:r>
-          </a:p>
-          <a:p>
-            <a:pPr lvl="1" eaLnBrk="1" hangingPunct="1"/>
-            <a:r>
-              <a:rPr lang="de-CH" dirty="0" smtClean="0"/>
-              <a:t>Server stellt die Kommunikation zwischen den Spielern sicher</a:t>
-            </a:r>
-          </a:p>
-          <a:p>
-            <a:pPr lvl="2" eaLnBrk="1" hangingPunct="1"/>
-            <a:r>
-              <a:rPr lang="de-CH" dirty="0" smtClean="0"/>
-              <a:t>Spielstände</a:t>
-            </a:r>
-          </a:p>
-          <a:p>
-            <a:pPr lvl="2" eaLnBrk="1" hangingPunct="1"/>
-            <a:r>
-              <a:rPr lang="de-CH" dirty="0" smtClean="0"/>
-              <a:t>Chat</a:t>
-            </a:r>
-          </a:p>
-          <a:p>
-            <a:pPr lvl="2" eaLnBrk="1" hangingPunct="1"/>
-            <a:r>
-              <a:rPr lang="de-CH" dirty="0" smtClean="0"/>
-              <a:t>Züge</a:t>
-            </a:r>
-          </a:p>
-          <a:p>
-            <a:pPr lvl="2" eaLnBrk="1" hangingPunct="1"/>
-            <a:r>
-              <a:rPr lang="de-CH" dirty="0" smtClean="0"/>
-              <a:t>Aktuelle Runde</a:t>
-            </a:r>
-          </a:p>
-          <a:p>
-            <a:pPr eaLnBrk="1" hangingPunct="1"/>
-            <a:endParaRPr lang="de-CH" dirty="0" smtClean="0"/>
-          </a:p>
-          <a:p>
-            <a:pPr lvl="1"/>
-            <a:r>
-              <a:rPr lang="de-CH" dirty="0" smtClean="0"/>
-              <a:t>Client stellt den Spielstand dar</a:t>
-            </a:r>
-          </a:p>
-          <a:p>
-            <a:pPr lvl="1"/>
-            <a:r>
-              <a:rPr lang="de-CH" dirty="0" smtClean="0"/>
-              <a:t>Rendert alle Animationen zwischen den Runden</a:t>
-            </a:r>
-          </a:p>
-          <a:p>
-            <a:pPr lvl="1"/>
-            <a:r>
-              <a:rPr lang="de-CH" dirty="0" smtClean="0"/>
-              <a:t>Erfasst alle Spielzüge bis zur nächsten Runde</a:t>
-            </a:r>
+          <a:p>
+            <a:pPr eaLnBrk="1" hangingPunct="1">
+              <a:spcBef>
+                <a:spcPct val="40000"/>
+              </a:spcBef>
+            </a:pPr>
+            <a:r>
+              <a:rPr lang="de-DE" dirty="0" smtClean="0"/>
+              <a:t>Die Zeit pro Runde ist begrenzt</a:t>
+            </a:r>
+          </a:p>
+          <a:p>
+            <a:pPr eaLnBrk="1" hangingPunct="1">
+              <a:spcBef>
+                <a:spcPct val="40000"/>
+              </a:spcBef>
+            </a:pPr>
+            <a:r>
+              <a:rPr lang="de-DE" dirty="0" smtClean="0"/>
+              <a:t>Während der Runde kann der Spieler</a:t>
+            </a:r>
+          </a:p>
+          <a:p>
+            <a:pPr lvl="1" eaLnBrk="1" hangingPunct="1">
+              <a:spcBef>
+                <a:spcPct val="40000"/>
+              </a:spcBef>
+            </a:pPr>
+            <a:r>
+              <a:rPr lang="de-DE" dirty="0" smtClean="0"/>
+              <a:t>Gebäude positionieren</a:t>
+            </a:r>
+          </a:p>
+          <a:p>
+            <a:pPr lvl="1" eaLnBrk="1" hangingPunct="1">
+              <a:spcBef>
+                <a:spcPct val="40000"/>
+              </a:spcBef>
+            </a:pPr>
+            <a:r>
+              <a:rPr lang="de-DE" dirty="0" smtClean="0"/>
+              <a:t>Angriffe planen</a:t>
+            </a:r>
+          </a:p>
+          <a:p>
+            <a:pPr marL="457200" lvl="1" indent="0" eaLnBrk="1" hangingPunct="1">
+              <a:spcBef>
+                <a:spcPct val="40000"/>
+              </a:spcBef>
+              <a:buNone/>
+            </a:pPr>
+            <a:r>
+              <a:rPr lang="en-US" dirty="0" smtClean="0"/>
+              <a:t>S</a:t>
+            </a:r>
+            <a:r>
+              <a:rPr lang="de-DE" dirty="0" err="1" smtClean="0"/>
+              <a:t>olange</a:t>
+            </a:r>
+            <a:r>
+              <a:rPr lang="de-DE" dirty="0" smtClean="0"/>
+              <a:t> dies sein Budget erlaubt</a:t>
+            </a:r>
+            <a:endParaRPr lang="de-DE" dirty="0" smtClean="0"/>
+          </a:p>
+          <a:p>
+            <a:pPr eaLnBrk="1" hangingPunct="1">
+              <a:spcBef>
+                <a:spcPct val="40000"/>
+              </a:spcBef>
+            </a:pPr>
+            <a:r>
+              <a:rPr lang="de-DE" dirty="0" smtClean="0"/>
+              <a:t>Nach </a:t>
+            </a:r>
+            <a:r>
+              <a:rPr lang="de-DE" dirty="0"/>
+              <a:t>A</a:t>
+            </a:r>
+            <a:r>
+              <a:rPr lang="de-DE" dirty="0" smtClean="0"/>
+              <a:t>blauf </a:t>
+            </a:r>
+            <a:r>
+              <a:rPr lang="de-DE" dirty="0" smtClean="0"/>
+              <a:t>der Zeit/Ende der Runde </a:t>
+            </a:r>
+            <a:r>
+              <a:rPr lang="de-DE" dirty="0" smtClean="0"/>
+              <a:t>werden die gesetzten Spielzüge ausgeführt</a:t>
+            </a:r>
+            <a:r>
+              <a:rPr lang="de-DE" dirty="0" smtClean="0"/>
+              <a:t>.</a:t>
+            </a:r>
+          </a:p>
+          <a:p>
+            <a:pPr eaLnBrk="1" hangingPunct="1">
+              <a:spcBef>
+                <a:spcPct val="40000"/>
+              </a:spcBef>
+            </a:pPr>
+            <a:r>
+              <a:rPr lang="de-DE" dirty="0" smtClean="0"/>
+              <a:t>Für die Zerstörung von Gebäuden / Gebieten gibt es Geld</a:t>
+            </a:r>
+          </a:p>
+          <a:p>
+            <a:pPr eaLnBrk="1" hangingPunct="1">
+              <a:spcBef>
+                <a:spcPct val="40000"/>
+              </a:spcBef>
+            </a:pPr>
+            <a:r>
+              <a:rPr lang="de-DE" dirty="0" smtClean="0"/>
+              <a:t>Der Spieler der nach einer gewissen Anzahl Runden am meisten Geld hat gewinnt</a:t>
+            </a:r>
+            <a:endParaRPr lang="de-DE" dirty="0" smtClean="0"/>
           </a:p>
         </p:txBody>
       </p:sp>
@@ -5201,7 +5437,7 @@
   <p:timing>
     <p:tnLst>
       <p:par>
-        <p:cTn id="1" dur="indefinite" restart="never" nodeType="tmRoot"/>
+        <p:cTn xmlns:p14="http://schemas.microsoft.com/office/powerpoint/2010/main" id="1" dur="indefinite" restart="never" nodeType="tmRoot"/>
       </p:par>
     </p:tnLst>
   </p:timing>
@@ -5227,68 +5463,21 @@
       </p:grpSpPr>
       <p:sp>
         <p:nvSpPr>
-          <p:cNvPr id="2" name="Title 1"/>
+          <p:cNvPr id="5122" name="Date Placeholder 3"/>
           <p:cNvSpPr>
             <a:spLocks noGrp="1"/>
           </p:cNvSpPr>
           <p:nvPr>
-            <p:ph type="title"/>
-          </p:nvPr>
-        </p:nvSpPr>
-        <p:spPr/>
+            <p:ph type="dt" sz="quarter" idx="10"/>
+          </p:nvPr>
+        </p:nvSpPr>
+        <p:spPr>
+          <a:noFill/>
+        </p:spPr>
         <p:txBody>
           <a:bodyPr/>
           <a:lstStyle/>
           <a:p>
-            <a:r>
-              <a:rPr lang="de-CH" dirty="0"/>
-              <a:t>Anforderungen</a:t>
-            </a:r>
-            <a:endParaRPr lang="en-US" dirty="0"/>
-          </a:p>
-        </p:txBody>
-      </p:sp>
-      <p:sp>
-        <p:nvSpPr>
-          <p:cNvPr id="3" name="Content Placeholder 2"/>
-          <p:cNvSpPr>
-            <a:spLocks noGrp="1"/>
-          </p:cNvSpPr>
-          <p:nvPr>
-            <p:ph idx="1"/>
-          </p:nvPr>
-        </p:nvSpPr>
-        <p:spPr/>
-        <p:txBody>
-          <a:bodyPr/>
-          <a:lstStyle/>
-          <a:p>
-            <a:r>
-              <a:rPr lang="en-US" dirty="0" smtClean="0"/>
-              <a:t>Sketch:</a:t>
-            </a:r>
-            <a:endParaRPr lang="en-US" dirty="0"/>
-          </a:p>
-        </p:txBody>
-      </p:sp>
-      <p:sp>
-        <p:nvSpPr>
-          <p:cNvPr id="4" name="Date Placeholder 3"/>
-          <p:cNvSpPr>
-            <a:spLocks noGrp="1"/>
-          </p:cNvSpPr>
-          <p:nvPr>
-            <p:ph type="dt" sz="half" idx="10"/>
-          </p:nvPr>
-        </p:nvSpPr>
-        <p:spPr/>
-        <p:txBody>
-          <a:bodyPr/>
-          <a:lstStyle/>
-          <a:p>
-            <a:pPr>
-              <a:defRPr/>
-            </a:pPr>
             <a:r>
               <a:rPr lang="en-US" smtClean="0"/>
               <a:t>FS 2012</a:t>
@@ -5299,7 +5488,7 @@
       </p:sp>
       <p:sp>
         <p:nvSpPr>
-          <p:cNvPr id="5" name="Footer Placeholder 4"/>
+          <p:cNvPr id="5123" name="Footer Placeholder 4"/>
           <p:cNvSpPr>
             <a:spLocks noGrp="1"/>
           </p:cNvSpPr>
@@ -5307,25 +5496,28 @@
             <p:ph type="ftr" sz="quarter" idx="11"/>
           </p:nvPr>
         </p:nvSpPr>
-        <p:spPr/>
+        <p:spPr>
+          <a:noFill/>
+        </p:spPr>
         <p:txBody>
           <a:bodyPr/>
           <a:lstStyle/>
           <a:p>
-            <a:pPr>
-              <a:defRPr/>
-            </a:pPr>
-            <a:r>
-              <a:rPr lang="de-AT" smtClean="0"/>
+            <a:r>
+              <a:rPr lang="de-AT" smtClean="0">
+                <a:latin typeface="Tahoma" pitchFamily="32" charset="0"/>
+              </a:rPr>
               <a:t>cs108 – Meilenstein I   </a:t>
             </a:r>
-            <a:endParaRPr lang="de-AT"/>
-          </a:p>
-        </p:txBody>
-      </p:sp>
-      <p:sp>
-        <p:nvSpPr>
-          <p:cNvPr id="6" name="Slide Number Placeholder 5"/>
+            <a:endParaRPr lang="de-AT">
+              <a:latin typeface="Tahoma" pitchFamily="32" charset="0"/>
+            </a:endParaRPr>
+          </a:p>
+        </p:txBody>
+      </p:sp>
+      <p:sp>
+        <p:nvSpPr>
+          <p:cNvPr id="5124" name="Slide Number Placeholder 5"/>
           <p:cNvSpPr>
             <a:spLocks noGrp="1"/>
           </p:cNvSpPr>
@@ -5333,65 +5525,145 @@
             <p:ph type="sldNum" sz="quarter" idx="12"/>
           </p:nvPr>
         </p:nvSpPr>
-        <p:spPr/>
+        <p:spPr>
+          <a:noFill/>
+        </p:spPr>
         <p:txBody>
           <a:bodyPr/>
           <a:lstStyle/>
           <a:p>
-            <a:pPr>
-              <a:defRPr/>
-            </a:pPr>
-            <a:fld id="{9629D89E-9C9E-4E60-BF0D-78BD315CFFE9}" type="slidenum">
-              <a:rPr lang="de-AT" smtClean="0"/>
-              <a:pPr>
-                <a:defRPr/>
-              </a:pPr>
+            <a:fld id="{65585AA8-D67B-4035-B713-30A57D4D6D67}" type="slidenum">
+              <a:rPr lang="de-AT"/>
+              <a:pPr/>
               <a:t>5</a:t>
             </a:fld>
             <a:endParaRPr lang="de-AT"/>
           </a:p>
         </p:txBody>
       </p:sp>
-      <p:pic>
-        <p:nvPicPr>
-          <p:cNvPr id="7" name="Picture 6" descr="v3.png"/>
-          <p:cNvPicPr>
-            <a:picLocks noChangeAspect="1"/>
-          </p:cNvPicPr>
-          <p:nvPr/>
-        </p:nvPicPr>
-        <p:blipFill>
-          <a:blip r:embed="rId2">
-            <a:extLst>
-              <a:ext uri="{28A0092B-C50C-407E-A947-70E740481C1C}">
-                <a14:useLocalDpi xmlns:a14="http://schemas.microsoft.com/office/drawing/2010/main" val="0"/>
-              </a:ext>
-            </a:extLst>
-          </a:blip>
-          <a:stretch>
-            <a:fillRect/>
-          </a:stretch>
-        </p:blipFill>
-        <p:spPr>
-          <a:xfrm>
-            <a:off x="787647" y="1052736"/>
-            <a:ext cx="7607268" cy="5269644"/>
-          </a:xfrm>
-          <a:prstGeom prst="rect">
-            <a:avLst/>
-          </a:prstGeom>
-        </p:spPr>
-      </p:pic>
+      <p:sp>
+        <p:nvSpPr>
+          <p:cNvPr id="5125" name="Rectangle 2"/>
+          <p:cNvSpPr>
+            <a:spLocks noGrp="1" noChangeArrowheads="1"/>
+          </p:cNvSpPr>
+          <p:nvPr>
+            <p:ph type="title"/>
+          </p:nvPr>
+        </p:nvSpPr>
+        <p:spPr/>
+        <p:txBody>
+          <a:bodyPr/>
+          <a:lstStyle/>
+          <a:p>
+            <a:pPr eaLnBrk="1" hangingPunct="1"/>
+            <a:r>
+              <a:rPr lang="de-CH" dirty="0" smtClean="0"/>
+              <a:t>Anforderungen</a:t>
+            </a:r>
+            <a:endParaRPr lang="de-DE" dirty="0" smtClean="0"/>
+          </a:p>
+        </p:txBody>
+      </p:sp>
+      <p:sp>
+        <p:nvSpPr>
+          <p:cNvPr id="5126" name="Rectangle 3"/>
+          <p:cNvSpPr>
+            <a:spLocks noGrp="1" noChangeArrowheads="1"/>
+          </p:cNvSpPr>
+          <p:nvPr>
+            <p:ph type="body" idx="1"/>
+          </p:nvPr>
+        </p:nvSpPr>
+        <p:spPr/>
+        <p:txBody>
+          <a:bodyPr/>
+          <a:lstStyle/>
+          <a:p>
+            <a:pPr lvl="1" eaLnBrk="1" hangingPunct="1"/>
+            <a:endParaRPr lang="de-CH" dirty="0" smtClean="0"/>
+          </a:p>
+          <a:p>
+            <a:pPr lvl="1" eaLnBrk="1" hangingPunct="1"/>
+            <a:r>
+              <a:rPr lang="de-CH" dirty="0" smtClean="0"/>
+              <a:t>Server speichert und überprüft alle Spielzüge</a:t>
+            </a:r>
+          </a:p>
+          <a:p>
+            <a:pPr lvl="1" eaLnBrk="1" hangingPunct="1"/>
+            <a:r>
+              <a:rPr lang="de-CH" dirty="0" smtClean="0"/>
+              <a:t>Server stellt die Kommunikation zwischen den Spielern sicher</a:t>
+            </a:r>
+          </a:p>
+          <a:p>
+            <a:pPr lvl="2" eaLnBrk="1" hangingPunct="1"/>
+            <a:r>
+              <a:rPr lang="de-CH" dirty="0" smtClean="0"/>
+              <a:t>Spielstände</a:t>
+            </a:r>
+          </a:p>
+          <a:p>
+            <a:pPr lvl="2" eaLnBrk="1" hangingPunct="1"/>
+            <a:r>
+              <a:rPr lang="de-CH" dirty="0" smtClean="0"/>
+              <a:t>Chat</a:t>
+            </a:r>
+          </a:p>
+          <a:p>
+            <a:pPr lvl="2" eaLnBrk="1" hangingPunct="1"/>
+            <a:r>
+              <a:rPr lang="de-CH" dirty="0" smtClean="0"/>
+              <a:t>Züge</a:t>
+            </a:r>
+          </a:p>
+          <a:p>
+            <a:pPr lvl="2" eaLnBrk="1" hangingPunct="1"/>
+            <a:r>
+              <a:rPr lang="de-CH" dirty="0" smtClean="0"/>
+              <a:t>Aktuelle Runde</a:t>
+            </a:r>
+          </a:p>
+          <a:p>
+            <a:pPr eaLnBrk="1" hangingPunct="1"/>
+            <a:endParaRPr lang="de-CH" dirty="0" smtClean="0"/>
+          </a:p>
+          <a:p>
+            <a:pPr lvl="1"/>
+            <a:r>
+              <a:rPr lang="de-CH" dirty="0" smtClean="0"/>
+              <a:t>Client stellt den Spielstand dar</a:t>
+            </a:r>
+          </a:p>
+          <a:p>
+            <a:pPr lvl="2"/>
+            <a:r>
+              <a:rPr lang="de-CH" dirty="0" smtClean="0"/>
+              <a:t>Rendert alle Animationen zwischen den Runden</a:t>
+            </a:r>
+          </a:p>
+          <a:p>
+            <a:pPr lvl="2"/>
+            <a:r>
+              <a:rPr lang="de-CH" dirty="0" smtClean="0"/>
+              <a:t>Erfasst alle Spielzüge bis zur nächsten Runde</a:t>
+            </a:r>
+          </a:p>
+        </p:txBody>
+      </p:sp>
     </p:spTree>
-    <p:extLst>
-      <p:ext uri="{BB962C8B-B14F-4D97-AF65-F5344CB8AC3E}">
-        <p14:creationId xmlns:p14="http://schemas.microsoft.com/office/powerpoint/2010/main" val="804277104"/>
-      </p:ext>
-    </p:extLst>
   </p:cSld>
   <p:clrMapOvr>
     <a:masterClrMapping/>
   </p:clrMapOvr>
+  <p:timing>
+    <p:tnLst>
+      <p:par>
+        <p:cTn xmlns:p14="http://schemas.microsoft.com/office/powerpoint/2010/main" id="1" dur="indefinite" restart="never" nodeType="tmRoot"/>
+      </p:par>
+    </p:tnLst>
+  </p:timing>
 </p:sld>
 </file>
 
@@ -5517,39 +5789,308 @@
       </p:sp>
       <p:sp>
         <p:nvSpPr>
-          <p:cNvPr id="6150" name="Rectangle 3"/>
-          <p:cNvSpPr>
-            <a:spLocks noGrp="1" noChangeArrowheads="1"/>
-          </p:cNvSpPr>
-          <p:nvPr>
-            <p:ph type="body" idx="1"/>
-          </p:nvPr>
-        </p:nvSpPr>
-        <p:spPr/>
-        <p:txBody>
-          <a:bodyPr/>
+          <p:cNvPr id="3" name="Pentagon 2"/>
+          <p:cNvSpPr/>
+          <p:nvPr/>
+        </p:nvSpPr>
+        <p:spPr bwMode="auto">
+          <a:xfrm>
+            <a:off x="251520" y="1628800"/>
+            <a:ext cx="6408712" cy="3744416"/>
+          </a:xfrm>
+          <a:prstGeom prst="homePlate">
+            <a:avLst/>
+          </a:prstGeom>
+          <a:solidFill>
+            <a:srgbClr val="CCFFCC"/>
+          </a:solidFill>
+          <a:ln w="9525" cap="flat" cmpd="sng" algn="ctr">
+            <a:solidFill>
+              <a:schemeClr val="bg2">
+                <a:lumMod val="60000"/>
+                <a:lumOff val="40000"/>
+              </a:schemeClr>
+            </a:solidFill>
+            <a:prstDash val="solid"/>
+            <a:round/>
+            <a:headEnd type="none" w="med" len="med"/>
+            <a:tailEnd type="none" w="med" len="med"/>
+          </a:ln>
+          <a:effectLst/>
+        </p:spPr>
+        <p:txBody>
+          <a:bodyPr vert="horz" wrap="square" lIns="91440" tIns="45720" rIns="91440" bIns="45720" numCol="1" rtlCol="0" anchor="t" anchorCtr="0" compatLnSpc="1">
+            <a:prstTxWarp prst="textNoShape">
+              <a:avLst/>
+            </a:prstTxWarp>
+          </a:bodyPr>
           <a:lstStyle/>
           <a:p>
-            <a:pPr eaLnBrk="1" hangingPunct="1"/>
-            <a:r>
-              <a:rPr lang="de-CH" i="1" dirty="0" smtClean="0"/>
-              <a:t>Kurze Beschreibung der Schnittstellen zwischen Server und Client  (darf auch gerne grafisch dargestellt werden)</a:t>
-            </a:r>
-          </a:p>
-          <a:p>
-            <a:pPr lvl="1" eaLnBrk="1" hangingPunct="1"/>
-            <a:r>
-              <a:rPr lang="de-CH" i="1" dirty="0" smtClean="0"/>
-              <a:t>was kann der Client beim Server aufrufen? </a:t>
-            </a:r>
-          </a:p>
-          <a:p>
-            <a:pPr lvl="1" eaLnBrk="1" hangingPunct="1"/>
-            <a:r>
-              <a:rPr lang="de-CH" i="1" dirty="0" smtClean="0"/>
-              <a:t>dies soll in den späteren Meilensteinen weiter präzisiert werden.</a:t>
-            </a:r>
-            <a:endParaRPr lang="de-DE" i="1" dirty="0" smtClean="0"/>
+            <a:pPr marL="0" marR="0" indent="0" algn="l" defTabSz="914400" rtl="0" eaLnBrk="1" fontAlgn="base" latinLnBrk="0" hangingPunct="1">
+              <a:lnSpc>
+                <a:spcPct val="100000"/>
+              </a:lnSpc>
+              <a:spcBef>
+                <a:spcPct val="0"/>
+              </a:spcBef>
+              <a:spcAft>
+                <a:spcPct val="0"/>
+              </a:spcAft>
+              <a:buClrTx/>
+              <a:buSzTx/>
+              <a:buFontTx/>
+              <a:buNone/>
+              <a:tabLst/>
+            </a:pPr>
+            <a:endParaRPr kumimoji="0" lang="en-US" sz="2400" b="1" i="0" u="none" strike="noStrike" cap="none" normalizeH="0" baseline="0" smtClean="0">
+              <a:ln>
+                <a:noFill/>
+              </a:ln>
+              <a:solidFill>
+                <a:schemeClr val="tx1"/>
+              </a:solidFill>
+              <a:effectLst/>
+              <a:latin typeface="Tahoma" pitchFamily="34" charset="0"/>
+            </a:endParaRPr>
+          </a:p>
+        </p:txBody>
+      </p:sp>
+      <p:sp>
+        <p:nvSpPr>
+          <p:cNvPr id="2" name="Content Placeholder 1"/>
+          <p:cNvSpPr>
+            <a:spLocks noGrp="1"/>
+          </p:cNvSpPr>
+          <p:nvPr>
+            <p:ph idx="1"/>
+          </p:nvPr>
+        </p:nvSpPr>
+        <p:spPr>
+          <a:xfrm>
+            <a:off x="395536" y="2276872"/>
+            <a:ext cx="5184576" cy="2232248"/>
+          </a:xfrm>
+        </p:spPr>
+        <p:txBody>
+          <a:bodyPr/>
+          <a:lstStyle/>
+          <a:p>
+            <a:r>
+              <a:rPr lang="en-US" sz="2000" dirty="0" err="1" smtClean="0"/>
+              <a:t>Chatnachrichten</a:t>
+            </a:r>
+            <a:endParaRPr lang="en-US" sz="2000" dirty="0" smtClean="0"/>
+          </a:p>
+          <a:p>
+            <a:r>
+              <a:rPr lang="en-US" sz="2000" dirty="0" smtClean="0"/>
+              <a:t>Spiel </a:t>
+            </a:r>
+            <a:r>
+              <a:rPr lang="en-US" sz="2000" dirty="0" err="1" smtClean="0"/>
+              <a:t>erstellen</a:t>
+            </a:r>
+            <a:r>
+              <a:rPr lang="en-US" sz="2000" dirty="0" smtClean="0"/>
+              <a:t> / </a:t>
+            </a:r>
+            <a:r>
+              <a:rPr lang="en-US" sz="2000" dirty="0" err="1" smtClean="0"/>
+              <a:t>beitreten</a:t>
+            </a:r>
+            <a:endParaRPr lang="en-US" sz="2000" dirty="0" smtClean="0"/>
+          </a:p>
+          <a:p>
+            <a:r>
+              <a:rPr lang="en-US" sz="2000" dirty="0" err="1"/>
+              <a:t>Spielzüge</a:t>
+            </a:r>
+            <a:r>
+              <a:rPr lang="en-US" sz="2000" dirty="0"/>
+              <a:t> des </a:t>
+            </a:r>
+            <a:r>
+              <a:rPr lang="en-US" sz="2000" dirty="0" err="1"/>
+              <a:t>Spielers</a:t>
+            </a:r>
+            <a:r>
+              <a:rPr lang="en-US" sz="2000" dirty="0"/>
+              <a:t> </a:t>
+            </a:r>
+            <a:r>
+              <a:rPr lang="en-US" sz="2000" dirty="0" err="1"/>
+              <a:t>für</a:t>
+            </a:r>
+            <a:r>
+              <a:rPr lang="en-US" sz="2000" dirty="0"/>
+              <a:t> </a:t>
+            </a:r>
+            <a:r>
+              <a:rPr lang="en-US" sz="2000" dirty="0" err="1"/>
+              <a:t>diese</a:t>
+            </a:r>
+            <a:r>
+              <a:rPr lang="en-US" sz="2000" dirty="0"/>
+              <a:t> </a:t>
+            </a:r>
+            <a:r>
+              <a:rPr lang="en-US" sz="2000" dirty="0" err="1" smtClean="0"/>
+              <a:t>Runde</a:t>
+            </a:r>
+            <a:endParaRPr lang="en-US" sz="2000" dirty="0" smtClean="0"/>
+          </a:p>
+          <a:p>
+            <a:r>
+              <a:rPr lang="en-US" sz="2000" dirty="0" smtClean="0"/>
+              <a:t>Spiel </a:t>
+            </a:r>
+            <a:r>
+              <a:rPr lang="en-US" sz="2000" dirty="0" err="1" smtClean="0"/>
+              <a:t>verlassen</a:t>
+            </a:r>
+            <a:endParaRPr lang="en-US" sz="2000" dirty="0" smtClean="0"/>
+          </a:p>
+          <a:p>
+            <a:r>
+              <a:rPr lang="en-US" sz="2000" dirty="0" err="1" smtClean="0"/>
+              <a:t>Aktueller</a:t>
+            </a:r>
+            <a:r>
+              <a:rPr lang="en-US" sz="2000" dirty="0" smtClean="0"/>
+              <a:t> Status des Clients</a:t>
+            </a:r>
+            <a:endParaRPr lang="en-US" sz="2000" dirty="0"/>
+          </a:p>
+          <a:p>
+            <a:endParaRPr lang="en-US" sz="2000" dirty="0" smtClean="0"/>
+          </a:p>
+          <a:p>
+            <a:endParaRPr lang="en-US" sz="2000" dirty="0" smtClean="0"/>
+          </a:p>
+        </p:txBody>
+      </p:sp>
+      <p:sp>
+        <p:nvSpPr>
+          <p:cNvPr id="4" name="Rounded Rectangle 3"/>
+          <p:cNvSpPr/>
+          <p:nvPr/>
+        </p:nvSpPr>
+        <p:spPr bwMode="auto">
+          <a:xfrm>
+            <a:off x="7452320" y="1628800"/>
+            <a:ext cx="1008112" cy="3816424"/>
+          </a:xfrm>
+          <a:prstGeom prst="roundRect">
+            <a:avLst/>
+          </a:prstGeom>
+          <a:solidFill>
+            <a:srgbClr val="FFFF00"/>
+          </a:solidFill>
+          <a:ln w="9525" cap="flat" cmpd="sng" algn="ctr">
+            <a:solidFill>
+              <a:srgbClr val="B3B3B3"/>
+            </a:solidFill>
+            <a:prstDash val="solid"/>
+            <a:round/>
+            <a:headEnd type="none" w="med" len="med"/>
+            <a:tailEnd type="none" w="med" len="med"/>
+          </a:ln>
+          <a:effectLst/>
+        </p:spPr>
+        <p:txBody>
+          <a:bodyPr vert="horz" wrap="square" lIns="91440" tIns="45720" rIns="91440" bIns="45720" numCol="1" rtlCol="0" anchor="t" anchorCtr="0" compatLnSpc="1">
+            <a:prstTxWarp prst="textNoShape">
+              <a:avLst/>
+            </a:prstTxWarp>
+          </a:bodyPr>
+          <a:lstStyle/>
+          <a:p>
+            <a:pPr marL="0" marR="0" indent="0" algn="l" defTabSz="914400" rtl="0" eaLnBrk="1" fontAlgn="base" latinLnBrk="0" hangingPunct="1">
+              <a:lnSpc>
+                <a:spcPct val="100000"/>
+              </a:lnSpc>
+              <a:spcBef>
+                <a:spcPct val="0"/>
+              </a:spcBef>
+              <a:spcAft>
+                <a:spcPct val="0"/>
+              </a:spcAft>
+              <a:buClrTx/>
+              <a:buSzTx/>
+              <a:buFontTx/>
+              <a:buNone/>
+              <a:tabLst/>
+            </a:pPr>
+            <a:endParaRPr kumimoji="0" lang="en-US" sz="2400" b="1" i="0" u="none" strike="noStrike" cap="none" normalizeH="0" baseline="0" smtClean="0">
+              <a:ln>
+                <a:noFill/>
+              </a:ln>
+              <a:solidFill>
+                <a:schemeClr val="tx1"/>
+              </a:solidFill>
+              <a:effectLst/>
+              <a:latin typeface="Tahoma" pitchFamily="34" charset="0"/>
+            </a:endParaRPr>
+          </a:p>
+        </p:txBody>
+      </p:sp>
+      <p:sp>
+        <p:nvSpPr>
+          <p:cNvPr id="5" name="TextBox 4"/>
+          <p:cNvSpPr txBox="1"/>
+          <p:nvPr/>
+        </p:nvSpPr>
+        <p:spPr>
+          <a:xfrm>
+            <a:off x="395536" y="1124744"/>
+            <a:ext cx="4320480" cy="461665"/>
+          </a:xfrm>
+          <a:prstGeom prst="rect">
+            <a:avLst/>
+          </a:prstGeom>
+          <a:noFill/>
+        </p:spPr>
+        <p:txBody>
+          <a:bodyPr wrap="square" rtlCol="0">
+            <a:spAutoFit/>
+          </a:bodyPr>
+          <a:lstStyle/>
+          <a:p>
+            <a:r>
+              <a:rPr lang="en-US" dirty="0" smtClean="0"/>
+              <a:t>Client</a:t>
+            </a:r>
+            <a:endParaRPr lang="en-US" dirty="0"/>
+          </a:p>
+        </p:txBody>
+      </p:sp>
+      <p:sp>
+        <p:nvSpPr>
+          <p:cNvPr id="12" name="TextBox 11"/>
+          <p:cNvSpPr txBox="1"/>
+          <p:nvPr/>
+        </p:nvSpPr>
+        <p:spPr>
+          <a:xfrm>
+            <a:off x="7308304" y="1124744"/>
+            <a:ext cx="1224136" cy="461665"/>
+          </a:xfrm>
+          <a:prstGeom prst="rect">
+            <a:avLst/>
+          </a:prstGeom>
+          <a:noFill/>
+        </p:spPr>
+        <p:txBody>
+          <a:bodyPr wrap="square" rtlCol="0">
+            <a:spAutoFit/>
+          </a:bodyPr>
+          <a:lstStyle/>
+          <a:p>
+            <a:r>
+              <a:rPr lang="en-US" dirty="0" smtClean="0"/>
+              <a:t>Server</a:t>
+            </a:r>
+            <a:endParaRPr lang="en-US" dirty="0"/>
           </a:p>
         </p:txBody>
       </p:sp>
@@ -5561,7 +6102,7 @@
   <p:timing>
     <p:tnLst>
       <p:par>
-        <p:cTn id="1" dur="indefinite" restart="never" nodeType="tmRoot"/>
+        <p:cTn xmlns:p14="http://schemas.microsoft.com/office/powerpoint/2010/main" id="1" dur="indefinite" restart="never" nodeType="tmRoot"/>
       </p:par>
     </p:tnLst>
   </p:timing>
@@ -5587,7 +6128,7 @@
       </p:grpSpPr>
       <p:sp>
         <p:nvSpPr>
-          <p:cNvPr id="7170" name="Date Placeholder 3"/>
+          <p:cNvPr id="6146" name="Date Placeholder 3"/>
           <p:cNvSpPr>
             <a:spLocks noGrp="1"/>
           </p:cNvSpPr>
@@ -5612,7 +6153,7 @@
       </p:sp>
       <p:sp>
         <p:nvSpPr>
-          <p:cNvPr id="7171" name="Footer Placeholder 4"/>
+          <p:cNvPr id="6147" name="Footer Placeholder 4"/>
           <p:cNvSpPr>
             <a:spLocks noGrp="1"/>
           </p:cNvSpPr>
@@ -5641,7 +6182,7 @@
       </p:sp>
       <p:sp>
         <p:nvSpPr>
-          <p:cNvPr id="7172" name="Slide Number Placeholder 5"/>
+          <p:cNvPr id="6148" name="Slide Number Placeholder 5"/>
           <p:cNvSpPr>
             <a:spLocks noGrp="1"/>
           </p:cNvSpPr>
@@ -5656,7 +6197,7 @@
           <a:bodyPr/>
           <a:lstStyle/>
           <a:p>
-            <a:fld id="{90A68FC8-9739-4B1D-A7C9-C8F7A9AE80A3}" type="slidenum">
+            <a:fld id="{33013F69-9355-4316-BF76-468A3D9163C7}" type="slidenum">
               <a:rPr lang="de-AT"/>
               <a:pPr/>
               <a:t>7</a:t>
@@ -5667,7 +6208,7 @@
       </p:sp>
       <p:sp>
         <p:nvSpPr>
-          <p:cNvPr id="7173" name="Rectangle 2"/>
+          <p:cNvPr id="6149" name="Rectangle 2"/>
           <p:cNvSpPr>
             <a:spLocks noGrp="1" noChangeArrowheads="1"/>
           </p:cNvSpPr>
@@ -5682,70 +6223,342 @@
           <a:p>
             <a:pPr eaLnBrk="1" hangingPunct="1"/>
             <a:r>
-              <a:rPr lang="de-CH" smtClean="0"/>
-              <a:t>Projektplan </a:t>
-            </a:r>
-          </a:p>
-        </p:txBody>
-      </p:sp>
-      <p:sp>
-        <p:nvSpPr>
-          <p:cNvPr id="7174" name="Rectangle 3"/>
-          <p:cNvSpPr>
-            <a:spLocks noGrp="1" noChangeArrowheads="1"/>
-          </p:cNvSpPr>
-          <p:nvPr>
-            <p:ph type="body" idx="1"/>
-          </p:nvPr>
-        </p:nvSpPr>
-        <p:spPr/>
-        <p:txBody>
-          <a:bodyPr/>
+              <a:rPr lang="de-DE" smtClean="0"/>
+              <a:t>Schnittstellen zwischen Client und Server</a:t>
+            </a:r>
+          </a:p>
+        </p:txBody>
+      </p:sp>
+      <p:sp>
+        <p:nvSpPr>
+          <p:cNvPr id="3" name="Pentagon 2"/>
+          <p:cNvSpPr/>
+          <p:nvPr/>
+        </p:nvSpPr>
+        <p:spPr bwMode="auto">
+          <a:xfrm rot="10800000">
+            <a:off x="2555776" y="1628800"/>
+            <a:ext cx="6408712" cy="3744416"/>
+          </a:xfrm>
+          <a:prstGeom prst="homePlate">
+            <a:avLst/>
+          </a:prstGeom>
+          <a:solidFill>
+            <a:srgbClr val="FFFF00"/>
+          </a:solidFill>
+          <a:ln w="9525" cap="flat" cmpd="sng" algn="ctr">
+            <a:solidFill>
+              <a:srgbClr val="B3B3B3"/>
+            </a:solidFill>
+            <a:prstDash val="solid"/>
+            <a:round/>
+            <a:headEnd type="none" w="med" len="med"/>
+            <a:tailEnd type="none" w="med" len="med"/>
+          </a:ln>
+          <a:effectLst/>
+        </p:spPr>
+        <p:txBody>
+          <a:bodyPr vert="horz" wrap="square" lIns="91440" tIns="45720" rIns="91440" bIns="45720" numCol="1" rtlCol="0" anchor="t" anchorCtr="0" compatLnSpc="1">
+            <a:prstTxWarp prst="textNoShape">
+              <a:avLst/>
+            </a:prstTxWarp>
+          </a:bodyPr>
           <a:lstStyle/>
           <a:p>
-            <a:pPr eaLnBrk="1" hangingPunct="1">
+            <a:pPr marL="0" marR="0" indent="0" algn="l" defTabSz="914400" rtl="0" eaLnBrk="1" fontAlgn="base" latinLnBrk="0" hangingPunct="1">
+              <a:lnSpc>
+                <a:spcPct val="100000"/>
+              </a:lnSpc>
               <a:spcBef>
-                <a:spcPct val="40000"/>
+                <a:spcPct val="0"/>
               </a:spcBef>
+              <a:spcAft>
+                <a:spcPct val="0"/>
+              </a:spcAft>
+              <a:buClrTx/>
+              <a:buSzTx/>
+              <a:buFontTx/>
+              <a:buNone/>
+              <a:tabLst/>
             </a:pPr>
-            <a:r>
-              <a:rPr lang="de-CH" i="1" dirty="0" smtClean="0"/>
-              <a:t>Zuständigkeit:</a:t>
-            </a:r>
-          </a:p>
-          <a:p>
-            <a:pPr lvl="1" eaLnBrk="1" hangingPunct="1">
+            <a:endParaRPr kumimoji="0" lang="en-US" sz="2400" b="1" i="0" u="none" strike="noStrike" cap="none" normalizeH="0" baseline="0" smtClean="0">
+              <a:ln>
+                <a:noFill/>
+              </a:ln>
+              <a:solidFill>
+                <a:schemeClr val="tx1"/>
+              </a:solidFill>
+              <a:effectLst/>
+              <a:latin typeface="Tahoma" pitchFamily="34" charset="0"/>
+            </a:endParaRPr>
+          </a:p>
+        </p:txBody>
+      </p:sp>
+      <p:sp>
+        <p:nvSpPr>
+          <p:cNvPr id="2" name="Content Placeholder 1"/>
+          <p:cNvSpPr>
+            <a:spLocks noGrp="1"/>
+          </p:cNvSpPr>
+          <p:nvPr>
+            <p:ph idx="1"/>
+          </p:nvPr>
+        </p:nvSpPr>
+        <p:spPr>
+          <a:xfrm>
+            <a:off x="3707904" y="1844824"/>
+            <a:ext cx="5184576" cy="2232248"/>
+          </a:xfrm>
+        </p:spPr>
+        <p:txBody>
+          <a:bodyPr/>
+          <a:lstStyle/>
+          <a:p>
+            <a:pPr marL="0" indent="0">
+              <a:buNone/>
+            </a:pPr>
+            <a:endParaRPr lang="en-US" sz="2000" dirty="0" smtClean="0"/>
+          </a:p>
+          <a:p>
+            <a:r>
+              <a:rPr lang="en-US" sz="2000" dirty="0" err="1" smtClean="0"/>
+              <a:t>Chatnachrichten</a:t>
+            </a:r>
+            <a:r>
+              <a:rPr lang="en-US" sz="2000" dirty="0" smtClean="0"/>
+              <a:t> von </a:t>
+            </a:r>
+            <a:r>
+              <a:rPr lang="en-US" sz="2000" dirty="0" err="1"/>
+              <a:t>A</a:t>
+            </a:r>
+            <a:r>
+              <a:rPr lang="en-US" sz="2000" dirty="0" err="1" smtClean="0"/>
+              <a:t>nderen</a:t>
+            </a:r>
+            <a:endParaRPr lang="en-US" sz="2000" dirty="0"/>
+          </a:p>
+          <a:p>
+            <a:r>
+              <a:rPr lang="en-US" sz="2000" dirty="0" err="1" smtClean="0"/>
+              <a:t>Aktive</a:t>
+            </a:r>
+            <a:r>
+              <a:rPr lang="en-US" sz="2000" dirty="0" smtClean="0"/>
+              <a:t> </a:t>
+            </a:r>
+            <a:r>
+              <a:rPr lang="en-US" sz="2000" dirty="0" err="1" smtClean="0"/>
+              <a:t>Spiele</a:t>
+            </a:r>
+            <a:endParaRPr lang="en-US" sz="2000" dirty="0" smtClean="0"/>
+          </a:p>
+          <a:p>
+            <a:r>
+              <a:rPr lang="en-US" sz="2000" dirty="0" err="1" smtClean="0"/>
+              <a:t>Zustand</a:t>
+            </a:r>
+            <a:r>
+              <a:rPr lang="en-US" sz="2000" dirty="0" smtClean="0"/>
+              <a:t> des Spiels</a:t>
+            </a:r>
+          </a:p>
+          <a:p>
+            <a:pPr lvl="1"/>
+            <a:r>
+              <a:rPr lang="en-US" sz="2000" dirty="0" err="1" smtClean="0"/>
+              <a:t>Alles</a:t>
+            </a:r>
+            <a:endParaRPr lang="en-US" sz="2000" dirty="0"/>
+          </a:p>
+          <a:p>
+            <a:pPr lvl="1"/>
+            <a:r>
+              <a:rPr lang="en-US" sz="2000" dirty="0" err="1" smtClean="0"/>
+              <a:t>Seit</a:t>
+            </a:r>
+            <a:r>
+              <a:rPr lang="en-US" sz="2000" dirty="0" smtClean="0"/>
+              <a:t> </a:t>
+            </a:r>
+            <a:r>
+              <a:rPr lang="en-US" sz="2000" dirty="0" err="1" smtClean="0"/>
+              <a:t>letzter</a:t>
+            </a:r>
+            <a:r>
+              <a:rPr lang="en-US" sz="2000" dirty="0" smtClean="0"/>
+              <a:t> </a:t>
+            </a:r>
+            <a:r>
+              <a:rPr lang="en-US" sz="2000" dirty="0" err="1" smtClean="0"/>
+              <a:t>Runde</a:t>
+            </a:r>
+            <a:endParaRPr lang="en-US" sz="2000" dirty="0" smtClean="0"/>
+          </a:p>
+          <a:p>
+            <a:pPr lvl="1"/>
+            <a:r>
+              <a:rPr lang="en-US" sz="2000" dirty="0" smtClean="0"/>
+              <a:t>Spiel </a:t>
+            </a:r>
+            <a:r>
+              <a:rPr lang="en-US" sz="2000" dirty="0" err="1" smtClean="0"/>
+              <a:t>fertig</a:t>
+            </a:r>
+            <a:endParaRPr lang="en-US" sz="2000" dirty="0" smtClean="0"/>
+          </a:p>
+          <a:p>
+            <a:pPr lvl="1"/>
+            <a:r>
+              <a:rPr lang="en-US" sz="2000" dirty="0" err="1" smtClean="0"/>
+              <a:t>Aktueller</a:t>
+            </a:r>
+            <a:r>
+              <a:rPr lang="en-US" sz="2000" dirty="0" smtClean="0"/>
+              <a:t> </a:t>
+            </a:r>
+            <a:r>
+              <a:rPr lang="en-US" sz="2000" dirty="0" err="1" smtClean="0"/>
+              <a:t>Punktestand</a:t>
+            </a:r>
+            <a:endParaRPr lang="en-US" dirty="0" smtClean="0"/>
+          </a:p>
+          <a:p>
+            <a:endParaRPr lang="en-US" sz="2000" dirty="0" smtClean="0"/>
+          </a:p>
+        </p:txBody>
+      </p:sp>
+      <p:sp>
+        <p:nvSpPr>
+          <p:cNvPr id="8" name="Rounded Rectangle 7"/>
+          <p:cNvSpPr/>
+          <p:nvPr/>
+        </p:nvSpPr>
+        <p:spPr bwMode="auto">
+          <a:xfrm>
+            <a:off x="611560" y="1628800"/>
+            <a:ext cx="1008112" cy="3816424"/>
+          </a:xfrm>
+          <a:prstGeom prst="roundRect">
+            <a:avLst/>
+          </a:prstGeom>
+          <a:solidFill>
+            <a:srgbClr val="CCFFCC"/>
+          </a:solidFill>
+          <a:ln w="9525" cap="flat" cmpd="sng" algn="ctr">
+            <a:solidFill>
+              <a:srgbClr val="B3B3B3"/>
+            </a:solidFill>
+            <a:prstDash val="solid"/>
+            <a:round/>
+            <a:headEnd type="none" w="med" len="med"/>
+            <a:tailEnd type="none" w="med" len="med"/>
+          </a:ln>
+          <a:effectLst/>
+        </p:spPr>
+        <p:txBody>
+          <a:bodyPr vert="horz" wrap="square" lIns="91440" tIns="45720" rIns="91440" bIns="45720" numCol="1" rtlCol="0" anchor="t" anchorCtr="0" compatLnSpc="1">
+            <a:prstTxWarp prst="textNoShape">
+              <a:avLst/>
+            </a:prstTxWarp>
+          </a:bodyPr>
+          <a:lstStyle/>
+          <a:p>
+            <a:pPr marL="0" marR="0" indent="0" algn="l" defTabSz="914400" rtl="0" eaLnBrk="1" fontAlgn="base" latinLnBrk="0" hangingPunct="1">
+              <a:lnSpc>
+                <a:spcPct val="100000"/>
+              </a:lnSpc>
               <a:spcBef>
-                <a:spcPct val="40000"/>
+                <a:spcPct val="0"/>
               </a:spcBef>
+              <a:spcAft>
+                <a:spcPct val="0"/>
+              </a:spcAft>
+              <a:buClrTx/>
+              <a:buSzTx/>
+              <a:buFontTx/>
+              <a:buNone/>
+              <a:tabLst/>
             </a:pPr>
-            <a:r>
-              <a:rPr lang="de-CH" i="1" dirty="0" smtClean="0"/>
-              <a:t>Client:				Server:</a:t>
-            </a:r>
-          </a:p>
-          <a:p>
-            <a:pPr lvl="1" eaLnBrk="1" hangingPunct="1">
-              <a:spcBef>
-                <a:spcPct val="40000"/>
-              </a:spcBef>
-            </a:pPr>
-            <a:r>
-              <a:rPr lang="de-CH" i="1" dirty="0" smtClean="0"/>
-              <a:t>Oliver, Fabio			Frank, Lucius</a:t>
-            </a:r>
-          </a:p>
-          <a:p>
-            <a:pPr eaLnBrk="1" hangingPunct="1">
-              <a:spcBef>
-                <a:spcPct val="40000"/>
-              </a:spcBef>
-            </a:pPr>
-            <a:endParaRPr lang="de-CH" dirty="0"/>
+            <a:endParaRPr kumimoji="0" lang="en-US" sz="2400" b="1" i="0" u="none" strike="noStrike" cap="none" normalizeH="0" baseline="0" smtClean="0">
+              <a:ln>
+                <a:noFill/>
+              </a:ln>
+              <a:solidFill>
+                <a:schemeClr val="tx1"/>
+              </a:solidFill>
+              <a:effectLst/>
+              <a:latin typeface="Tahoma" pitchFamily="34" charset="0"/>
+            </a:endParaRPr>
+          </a:p>
+        </p:txBody>
+      </p:sp>
+      <p:sp>
+        <p:nvSpPr>
+          <p:cNvPr id="9" name="TextBox 8"/>
+          <p:cNvSpPr txBox="1"/>
+          <p:nvPr/>
+        </p:nvSpPr>
+        <p:spPr>
+          <a:xfrm>
+            <a:off x="539552" y="1124744"/>
+            <a:ext cx="1224136" cy="461665"/>
+          </a:xfrm>
+          <a:prstGeom prst="rect">
+            <a:avLst/>
+          </a:prstGeom>
+          <a:noFill/>
+        </p:spPr>
+        <p:txBody>
+          <a:bodyPr wrap="square" rtlCol="0">
+            <a:spAutoFit/>
+          </a:bodyPr>
+          <a:lstStyle/>
+          <a:p>
+            <a:r>
+              <a:rPr lang="en-US" dirty="0" smtClean="0"/>
+              <a:t>Client</a:t>
+            </a:r>
+            <a:endParaRPr lang="en-US" dirty="0"/>
+          </a:p>
+        </p:txBody>
+      </p:sp>
+      <p:sp>
+        <p:nvSpPr>
+          <p:cNvPr id="10" name="TextBox 9"/>
+          <p:cNvSpPr txBox="1"/>
+          <p:nvPr/>
+        </p:nvSpPr>
+        <p:spPr>
+          <a:xfrm>
+            <a:off x="7740352" y="1124744"/>
+            <a:ext cx="1224136" cy="461665"/>
+          </a:xfrm>
+          <a:prstGeom prst="rect">
+            <a:avLst/>
+          </a:prstGeom>
+          <a:noFill/>
+        </p:spPr>
+        <p:txBody>
+          <a:bodyPr wrap="square" rtlCol="0">
+            <a:spAutoFit/>
+          </a:bodyPr>
+          <a:lstStyle/>
+          <a:p>
+            <a:r>
+              <a:rPr lang="en-US" dirty="0" smtClean="0"/>
+              <a:t>Server</a:t>
+            </a:r>
+            <a:endParaRPr lang="en-US" dirty="0"/>
           </a:p>
         </p:txBody>
       </p:sp>
     </p:spTree>
+    <p:extLst>
+      <p:ext uri="{BB962C8B-B14F-4D97-AF65-F5344CB8AC3E}">
+        <p14:creationId xmlns:p14="http://schemas.microsoft.com/office/powerpoint/2010/main" val="2765540135"/>
+      </p:ext>
+    </p:extLst>
   </p:cSld>
   <p:clrMapOvr>
     <a:masterClrMapping/>
@@ -5753,7 +6566,7 @@
   <p:timing>
     <p:tnLst>
       <p:par>
-        <p:cTn id="1" dur="indefinite" restart="never" nodeType="tmRoot"/>
+        <p:cTn xmlns:p14="http://schemas.microsoft.com/office/powerpoint/2010/main" id="1" dur="indefinite" restart="never" nodeType="tmRoot"/>
       </p:par>
     </p:tnLst>
   </p:timing>
@@ -5777,9 +6590,154 @@
           <a:chExt cx="0" cy="0"/>
         </a:xfrm>
       </p:grpSpPr>
-      <p:sp>
-        <p:nvSpPr>
-          <p:cNvPr id="8194" name="Date Placeholder 3"/>
+      <p:grpSp>
+        <p:nvGrpSpPr>
+          <p:cNvPr id="4" name="Group 3"/>
+          <p:cNvGrpSpPr/>
+          <p:nvPr/>
+        </p:nvGrpSpPr>
+        <p:grpSpPr>
+          <a:xfrm>
+            <a:off x="611560" y="1124744"/>
+            <a:ext cx="5256584" cy="288032"/>
+            <a:chOff x="611560" y="1124744"/>
+            <a:chExt cx="5256584" cy="288032"/>
+          </a:xfrm>
+        </p:grpSpPr>
+        <p:sp>
+          <p:nvSpPr>
+            <p:cNvPr id="3" name="Rounded Rectangle 2"/>
+            <p:cNvSpPr/>
+            <p:nvPr/>
+          </p:nvSpPr>
+          <p:spPr bwMode="auto">
+            <a:xfrm>
+              <a:off x="611560" y="1124744"/>
+              <a:ext cx="1152128" cy="288032"/>
+            </a:xfrm>
+            <a:prstGeom prst="roundRect">
+              <a:avLst/>
+            </a:prstGeom>
+            <a:solidFill>
+              <a:srgbClr val="CCFFCC"/>
+            </a:solidFill>
+            <a:ln w="9525" cap="flat" cmpd="sng" algn="ctr">
+              <a:solidFill>
+                <a:srgbClr val="FFFFFF"/>
+              </a:solidFill>
+              <a:prstDash val="solid"/>
+              <a:round/>
+              <a:headEnd type="none" w="med" len="med"/>
+              <a:tailEnd type="none" w="med" len="med"/>
+            </a:ln>
+            <a:effectLst/>
+          </p:spPr>
+          <p:txBody>
+            <a:bodyPr vert="horz" wrap="square" lIns="91440" tIns="45720" rIns="91440" bIns="45720" numCol="1" rtlCol="0" anchor="t" anchorCtr="0" compatLnSpc="1">
+              <a:prstTxWarp prst="textNoShape">
+                <a:avLst/>
+              </a:prstTxWarp>
+            </a:bodyPr>
+            <a:lstStyle/>
+            <a:p>
+              <a:pPr marL="0" marR="0" indent="0" algn="l" defTabSz="914400" rtl="0" eaLnBrk="1" fontAlgn="base" latinLnBrk="0" hangingPunct="1">
+                <a:lnSpc>
+                  <a:spcPct val="100000"/>
+                </a:lnSpc>
+                <a:spcBef>
+                  <a:spcPct val="0"/>
+                </a:spcBef>
+                <a:spcAft>
+                  <a:spcPct val="0"/>
+                </a:spcAft>
+                <a:buClrTx/>
+                <a:buSzTx/>
+                <a:buFontTx/>
+                <a:buNone/>
+                <a:tabLst/>
+              </a:pPr>
+              <a:endParaRPr kumimoji="0" lang="en-US" sz="2400" b="1" i="0" u="none" strike="noStrike" cap="none" normalizeH="0" baseline="0" smtClean="0">
+                <a:ln>
+                  <a:noFill/>
+                </a:ln>
+                <a:solidFill>
+                  <a:schemeClr val="tx1"/>
+                </a:solidFill>
+                <a:effectLst/>
+                <a:latin typeface="Tahoma" pitchFamily="34" charset="0"/>
+              </a:endParaRPr>
+            </a:p>
+          </p:txBody>
+        </p:sp>
+        <p:sp>
+          <p:nvSpPr>
+            <p:cNvPr id="9" name="Rounded Rectangle 8"/>
+            <p:cNvSpPr/>
+            <p:nvPr/>
+          </p:nvSpPr>
+          <p:spPr bwMode="auto">
+            <a:xfrm>
+              <a:off x="4716016" y="1124744"/>
+              <a:ext cx="1152128" cy="288032"/>
+            </a:xfrm>
+            <a:prstGeom prst="roundRect">
+              <a:avLst/>
+            </a:prstGeom>
+            <a:solidFill>
+              <a:srgbClr val="FFFF00"/>
+            </a:solidFill>
+            <a:ln w="9525" cap="flat" cmpd="sng" algn="ctr">
+              <a:solidFill>
+                <a:srgbClr val="FFFFFF"/>
+              </a:solidFill>
+              <a:prstDash val="solid"/>
+              <a:round/>
+              <a:headEnd type="none" w="med" len="med"/>
+              <a:tailEnd type="none" w="med" len="med"/>
+            </a:ln>
+            <a:effectLst/>
+          </p:spPr>
+          <p:txBody>
+            <a:bodyPr vert="horz" wrap="square" lIns="91440" tIns="45720" rIns="91440" bIns="45720" numCol="1" rtlCol="0" anchor="t" anchorCtr="0" compatLnSpc="1">
+              <a:prstTxWarp prst="textNoShape">
+                <a:avLst/>
+              </a:prstTxWarp>
+            </a:bodyPr>
+            <a:lstStyle/>
+            <a:p>
+              <a:pPr marL="0" marR="0" indent="0" algn="l" defTabSz="914400" rtl="0" eaLnBrk="1" fontAlgn="base" latinLnBrk="0" hangingPunct="1">
+                <a:lnSpc>
+                  <a:spcPct val="100000"/>
+                </a:lnSpc>
+                <a:spcBef>
+                  <a:spcPct val="0"/>
+                </a:spcBef>
+                <a:spcAft>
+                  <a:spcPct val="0"/>
+                </a:spcAft>
+                <a:buClrTx/>
+                <a:buSzTx/>
+                <a:buFontTx/>
+                <a:buNone/>
+                <a:tabLst/>
+              </a:pPr>
+              <a:endParaRPr kumimoji="0" lang="en-US" sz="2400" b="1" i="0" u="none" strike="noStrike" cap="none" normalizeH="0" baseline="0" smtClean="0">
+                <a:ln>
+                  <a:noFill/>
+                </a:ln>
+                <a:solidFill>
+                  <a:schemeClr val="tx1"/>
+                </a:solidFill>
+                <a:effectLst/>
+                <a:latin typeface="Tahoma" pitchFamily="34" charset="0"/>
+              </a:endParaRPr>
+            </a:p>
+          </p:txBody>
+        </p:sp>
+      </p:grpSp>
+      <p:sp>
+        <p:nvSpPr>
+          <p:cNvPr id="7170" name="Date Placeholder 3"/>
           <p:cNvSpPr>
             <a:spLocks noGrp="1"/>
           </p:cNvSpPr>
@@ -5804,7 +6762,7 @@
       </p:sp>
       <p:sp>
         <p:nvSpPr>
-          <p:cNvPr id="8195" name="Footer Placeholder 4"/>
+          <p:cNvPr id="7171" name="Footer Placeholder 4"/>
           <p:cNvSpPr>
             <a:spLocks noGrp="1"/>
           </p:cNvSpPr>
@@ -5820,12 +6778,12 @@
           <a:lstStyle/>
           <a:p>
             <a:r>
-              <a:rPr lang="de-AT" dirty="0" smtClean="0">
+              <a:rPr lang="de-AT" smtClean="0">
                 <a:latin typeface="Tahoma" pitchFamily="32" charset="0"/>
               </a:rPr>
               <a:t>cs108 – Meilenstein I   </a:t>
             </a:r>
-            <a:endParaRPr lang="de-AT" dirty="0">
+            <a:endParaRPr lang="de-AT">
               <a:latin typeface="Tahoma" pitchFamily="32" charset="0"/>
             </a:endParaRPr>
           </a:p>
@@ -5833,7 +6791,7 @@
       </p:sp>
       <p:sp>
         <p:nvSpPr>
-          <p:cNvPr id="8196" name="Slide Number Placeholder 5"/>
+          <p:cNvPr id="7172" name="Slide Number Placeholder 5"/>
           <p:cNvSpPr>
             <a:spLocks noGrp="1"/>
           </p:cNvSpPr>
@@ -5848,7 +6806,7 @@
           <a:bodyPr/>
           <a:lstStyle/>
           <a:p>
-            <a:fld id="{8DE44402-CBB4-4642-8C2F-F2A05692D4D8}" type="slidenum">
+            <a:fld id="{90A68FC8-9739-4B1D-A7C9-C8F7A9AE80A3}" type="slidenum">
               <a:rPr lang="de-AT"/>
               <a:pPr/>
               <a:t>8</a:t>
@@ -5859,7 +6817,7 @@
       </p:sp>
       <p:sp>
         <p:nvSpPr>
-          <p:cNvPr id="8197" name="Rectangle 2"/>
+          <p:cNvPr id="7173" name="Rectangle 2"/>
           <p:cNvSpPr>
             <a:spLocks noGrp="1" noChangeArrowheads="1"/>
           </p:cNvSpPr>
@@ -5875,15 +6833,14 @@
             <a:pPr eaLnBrk="1" hangingPunct="1"/>
             <a:r>
               <a:rPr lang="de-CH" smtClean="0"/>
-              <a:t>Dokumentation</a:t>
-            </a:r>
-            <a:endParaRPr lang="de-DE" smtClean="0"/>
-          </a:p>
-        </p:txBody>
-      </p:sp>
-      <p:sp>
-        <p:nvSpPr>
-          <p:cNvPr id="8198" name="Rectangle 3"/>
+              <a:t>Projektplan </a:t>
+            </a:r>
+          </a:p>
+        </p:txBody>
+      </p:sp>
+      <p:sp>
+        <p:nvSpPr>
+          <p:cNvPr id="7174" name="Rectangle 3"/>
           <p:cNvSpPr>
             <a:spLocks noGrp="1" noChangeArrowheads="1"/>
           </p:cNvSpPr>
@@ -5891,7 +6848,14 @@
             <p:ph type="body" idx="1"/>
           </p:nvPr>
         </p:nvSpPr>
-        <p:spPr/>
+        <p:spPr>
+          <a:noFill/>
+          <a:ln>
+            <a:solidFill>
+              <a:srgbClr val="FFFFFF"/>
+            </a:solidFill>
+          </a:ln>
+        </p:spPr>
         <p:txBody>
           <a:bodyPr/>
           <a:lstStyle/>
@@ -5903,29 +6867,38 @@
             </a:pPr>
             <a:r>
               <a:rPr lang="de-CH" dirty="0" smtClean="0"/>
-              <a:t>Die Aktivitäten und Entscheidungen werden in </a:t>
-            </a:r>
-            <a:r>
-              <a:rPr lang="de-CH" dirty="0"/>
-              <a:t>einem Blog(</a:t>
-            </a:r>
-            <a:r>
-              <a:rPr lang="de-CH" dirty="0">
-                <a:hlinkClick r:id="rId2"/>
-              </a:rPr>
-              <a:t>http://www.chaos-theory.ch/CS108</a:t>
-            </a:r>
-            <a:r>
-              <a:rPr lang="de-CH" dirty="0" smtClean="0">
-                <a:hlinkClick r:id="rId2"/>
-              </a:rPr>
-              <a:t>/</a:t>
-            </a:r>
+              <a:t>Zuständigkeit:</a:t>
+            </a:r>
+          </a:p>
+          <a:p>
+            <a:pPr lvl="1" eaLnBrk="1" hangingPunct="1">
+              <a:spcBef>
+                <a:spcPct val="40000"/>
+              </a:spcBef>
+            </a:pPr>
             <a:r>
               <a:rPr lang="de-CH" dirty="0" smtClean="0"/>
-              <a:t>) festgehalten.</a:t>
-            </a:r>
-            <a:endParaRPr lang="de-CH" dirty="0"/>
+              <a:t>Client:</a:t>
+            </a:r>
+            <a:r>
+              <a:rPr lang="de-CH" i="1" dirty="0" smtClean="0"/>
+              <a:t>				</a:t>
+            </a:r>
+            <a:r>
+              <a:rPr lang="de-CH" dirty="0" smtClean="0"/>
+              <a:t>Server:</a:t>
+            </a:r>
+          </a:p>
+          <a:p>
+            <a:pPr lvl="1" eaLnBrk="1" hangingPunct="1">
+              <a:spcBef>
+                <a:spcPct val="40000"/>
+              </a:spcBef>
+            </a:pPr>
+            <a:r>
+              <a:rPr lang="de-CH" i="1" dirty="0" smtClean="0"/>
+              <a:t>Oliver, Fabio			Frank, Lucius</a:t>
+            </a:r>
           </a:p>
           <a:p>
             <a:pPr eaLnBrk="1" hangingPunct="1">
@@ -5933,73 +6906,20 @@
                 <a:spcPct val="40000"/>
               </a:spcBef>
             </a:pPr>
-            <a:endParaRPr lang="de-CH" dirty="0" smtClean="0"/>
-          </a:p>
-          <a:p>
-            <a:pPr eaLnBrk="1" hangingPunct="1">
-              <a:spcBef>
-                <a:spcPct val="40000"/>
-              </a:spcBef>
-            </a:pPr>
-            <a:r>
-              <a:rPr lang="de-CH" dirty="0" smtClean="0"/>
-              <a:t>Die Dokumentation des Spieles und Codes wird mit </a:t>
-            </a:r>
-            <a:r>
-              <a:rPr lang="de-CH" dirty="0"/>
-              <a:t>einem </a:t>
-            </a:r>
-            <a:r>
-              <a:rPr lang="de-CH" dirty="0" smtClean="0"/>
-              <a:t>Wiki (</a:t>
-            </a:r>
-            <a:r>
-              <a:rPr lang="de-CH" dirty="0" smtClean="0">
-                <a:hlinkClick r:id="rId3"/>
-              </a:rPr>
-              <a:t>http</a:t>
-            </a:r>
-            <a:r>
-              <a:rPr lang="de-CH" dirty="0">
-                <a:hlinkClick r:id="rId3"/>
-              </a:rPr>
-              <a:t>://chaos-theory.ch/CS108/wiki/</a:t>
-            </a:r>
-            <a:r>
-              <a:rPr lang="de-CH" dirty="0" smtClean="0">
-                <a:hlinkClick r:id="rId3"/>
-              </a:rPr>
-              <a:t>doku.php</a:t>
-            </a:r>
-            <a:r>
-              <a:rPr lang="de-CH" dirty="0" smtClean="0"/>
-              <a:t>) und mit </a:t>
-            </a:r>
-            <a:r>
-              <a:rPr lang="de-CH" dirty="0" err="1" smtClean="0"/>
-              <a:t>Javadoc</a:t>
-            </a:r>
-            <a:r>
-              <a:rPr lang="de-CH" dirty="0" smtClean="0"/>
-              <a:t> realisiert</a:t>
-            </a:r>
-            <a:r>
-              <a:rPr lang="de-CH" i="1" dirty="0" smtClean="0"/>
-              <a:t>. </a:t>
-            </a:r>
+            <a:endParaRPr lang="de-CH" dirty="0"/>
           </a:p>
         </p:txBody>
       </p:sp>
       <p:pic>
         <p:nvPicPr>
-          <p:cNvPr id="2" name="Picture 1" descr="CS108 SwissDefcon_Blog.png"/>
+          <p:cNvPr id="2" name="Picture 1" descr="cs108.pdf"/>
           <p:cNvPicPr>
             <a:picLocks noChangeAspect="1"/>
           </p:cNvPicPr>
           <p:nvPr/>
         </p:nvPicPr>
         <p:blipFill>
-          <a:blip r:embed="rId4" cstate="print">
+          <a:blip r:embed="rId2">
             <a:extLst>
               <a:ext uri="{28A0092B-C50C-407E-A947-70E740481C1C}">
                 <a14:useLocalDpi xmlns:a14="http://schemas.microsoft.com/office/drawing/2010/main" val="0"/>
@@ -6012,38 +6932,8 @@
         </p:blipFill>
         <p:spPr>
           <a:xfrm>
-            <a:off x="971600" y="2420888"/>
-            <a:ext cx="2520280" cy="3997685"/>
-          </a:xfrm>
-          <a:prstGeom prst="rect">
-            <a:avLst/>
-          </a:prstGeom>
-        </p:spPr>
-      </p:pic>
-      <p:pic>
-        <p:nvPicPr>
-          <p:cNvPr id="4" name="Picture 3" descr="CS108_wiki.png"/>
-          <p:cNvPicPr>
-            <a:picLocks noChangeAspect="1"/>
-          </p:cNvPicPr>
-          <p:nvPr/>
-        </p:nvPicPr>
-        <p:blipFill>
-          <a:blip r:embed="rId5" cstate="print">
-            <a:extLst>
-              <a:ext uri="{28A0092B-C50C-407E-A947-70E740481C1C}">
-                <a14:useLocalDpi xmlns:a14="http://schemas.microsoft.com/office/drawing/2010/main" val="0"/>
-              </a:ext>
-            </a:extLst>
-          </a:blip>
-          <a:stretch>
-            <a:fillRect/>
-          </a:stretch>
-        </p:blipFill>
-        <p:spPr>
-          <a:xfrm>
-            <a:off x="3995936" y="3284984"/>
-            <a:ext cx="4584937" cy="1882833"/>
+            <a:off x="0" y="2636912"/>
+            <a:ext cx="9144000" cy="2281851"/>
           </a:xfrm>
           <a:prstGeom prst="rect">
             <a:avLst/>
@@ -6058,7 +6948,7 @@
   <p:timing>
     <p:tnLst>
       <p:par>
-        <p:cTn id="1" dur="indefinite" restart="never" nodeType="tmRoot"/>
+        <p:cTn xmlns:p14="http://schemas.microsoft.com/office/powerpoint/2010/main" id="1" dur="indefinite" restart="never" nodeType="tmRoot"/>
       </p:par>
     </p:tnLst>
   </p:timing>
@@ -6084,64 +6974,21 @@
       </p:grpSpPr>
       <p:sp>
         <p:nvSpPr>
-          <p:cNvPr id="2" name="Title 1"/>
+          <p:cNvPr id="8194" name="Date Placeholder 3"/>
           <p:cNvSpPr>
             <a:spLocks noGrp="1"/>
           </p:cNvSpPr>
           <p:nvPr>
-            <p:ph type="title"/>
-          </p:nvPr>
-        </p:nvSpPr>
-        <p:spPr/>
+            <p:ph type="dt" sz="quarter" idx="10"/>
+          </p:nvPr>
+        </p:nvSpPr>
+        <p:spPr>
+          <a:noFill/>
+        </p:spPr>
         <p:txBody>
           <a:bodyPr/>
           <a:lstStyle/>
           <a:p>
-            <a:endParaRPr lang="en-US" dirty="0"/>
-          </a:p>
-        </p:txBody>
-      </p:sp>
-      <p:sp>
-        <p:nvSpPr>
-          <p:cNvPr id="3" name="Content Placeholder 2"/>
-          <p:cNvSpPr>
-            <a:spLocks noGrp="1"/>
-          </p:cNvSpPr>
-          <p:nvPr>
-            <p:ph idx="1"/>
-          </p:nvPr>
-        </p:nvSpPr>
-        <p:spPr/>
-        <p:txBody>
-          <a:bodyPr/>
-          <a:lstStyle/>
-          <a:p>
-            <a:r>
-              <a:rPr lang="de-CH" i="1" dirty="0" smtClean="0"/>
-              <a:t>Falls es weitere wichtige Informationen zum Spiel, zu Ihrem Projekt, zur Gruppenarbeit, etc. gibt, dann bitte hier diskutieren</a:t>
-            </a:r>
-            <a:endParaRPr lang="en-US" i="1" dirty="0"/>
-          </a:p>
-        </p:txBody>
-      </p:sp>
-      <p:sp>
-        <p:nvSpPr>
-          <p:cNvPr id="4" name="Date Placeholder 3"/>
-          <p:cNvSpPr>
-            <a:spLocks noGrp="1"/>
-          </p:cNvSpPr>
-          <p:nvPr>
-            <p:ph type="dt" sz="half" idx="10"/>
-          </p:nvPr>
-        </p:nvSpPr>
-        <p:spPr/>
-        <p:txBody>
-          <a:bodyPr/>
-          <a:lstStyle/>
-          <a:p>
-            <a:pPr>
-              <a:defRPr/>
-            </a:pPr>
             <a:r>
               <a:rPr lang="en-US" smtClean="0"/>
               <a:t>FS 2012</a:t>
@@ -6152,7 +6999,7 @@
       </p:sp>
       <p:sp>
         <p:nvSpPr>
-          <p:cNvPr id="5" name="Footer Placeholder 4"/>
+          <p:cNvPr id="8195" name="Footer Placeholder 4"/>
           <p:cNvSpPr>
             <a:spLocks noGrp="1"/>
           </p:cNvSpPr>
@@ -6160,25 +7007,28 @@
             <p:ph type="ftr" sz="quarter" idx="11"/>
           </p:nvPr>
         </p:nvSpPr>
-        <p:spPr/>
+        <p:spPr>
+          <a:noFill/>
+        </p:spPr>
         <p:txBody>
           <a:bodyPr/>
           <a:lstStyle/>
           <a:p>
-            <a:pPr>
-              <a:defRPr/>
-            </a:pPr>
-            <a:r>
-              <a:rPr lang="de-AT" smtClean="0"/>
+            <a:r>
+              <a:rPr lang="de-AT" dirty="0" smtClean="0">
+                <a:latin typeface="Tahoma" pitchFamily="32" charset="0"/>
+              </a:rPr>
               <a:t>cs108 – Meilenstein I   </a:t>
             </a:r>
-            <a:endParaRPr lang="de-AT"/>
-          </a:p>
-        </p:txBody>
-      </p:sp>
-      <p:sp>
-        <p:nvSpPr>
-          <p:cNvPr id="6" name="Slide Number Placeholder 5"/>
+            <a:endParaRPr lang="de-AT" dirty="0">
+              <a:latin typeface="Tahoma" pitchFamily="32" charset="0"/>
+            </a:endParaRPr>
+          </a:p>
+        </p:txBody>
+      </p:sp>
+      <p:sp>
+        <p:nvSpPr>
+          <p:cNvPr id="8196" name="Slide Number Placeholder 5"/>
           <p:cNvSpPr>
             <a:spLocks noGrp="1"/>
           </p:cNvSpPr>
@@ -6186,30 +7036,255 @@
             <p:ph type="sldNum" sz="quarter" idx="12"/>
           </p:nvPr>
         </p:nvSpPr>
-        <p:spPr/>
+        <p:spPr>
+          <a:noFill/>
+        </p:spPr>
         <p:txBody>
           <a:bodyPr/>
           <a:lstStyle/>
           <a:p>
-            <a:pPr>
-              <a:defRPr/>
-            </a:pPr>
-            <a:fld id="{9629D89E-9C9E-4E60-BF0D-78BD315CFFE9}" type="slidenum">
-              <a:rPr lang="de-AT" smtClean="0"/>
-              <a:pPr>
-                <a:defRPr/>
-              </a:pPr>
+            <a:fld id="{8DE44402-CBB4-4642-8C2F-F2A05692D4D8}" type="slidenum">
+              <a:rPr lang="de-AT"/>
+              <a:pPr/>
               <a:t>9</a:t>
             </a:fld>
             <a:endParaRPr lang="de-AT"/>
           </a:p>
         </p:txBody>
       </p:sp>
+      <p:sp>
+        <p:nvSpPr>
+          <p:cNvPr id="8197" name="Rectangle 2"/>
+          <p:cNvSpPr>
+            <a:spLocks noGrp="1" noChangeArrowheads="1"/>
+          </p:cNvSpPr>
+          <p:nvPr>
+            <p:ph type="title"/>
+          </p:nvPr>
+        </p:nvSpPr>
+        <p:spPr/>
+        <p:txBody>
+          <a:bodyPr/>
+          <a:lstStyle/>
+          <a:p>
+            <a:pPr eaLnBrk="1" hangingPunct="1"/>
+            <a:r>
+              <a:rPr lang="de-CH" smtClean="0"/>
+              <a:t>Dokumentation</a:t>
+            </a:r>
+            <a:endParaRPr lang="de-DE" smtClean="0"/>
+          </a:p>
+        </p:txBody>
+      </p:sp>
+      <p:sp>
+        <p:nvSpPr>
+          <p:cNvPr id="8198" name="Rectangle 3"/>
+          <p:cNvSpPr>
+            <a:spLocks noGrp="1" noChangeArrowheads="1"/>
+          </p:cNvSpPr>
+          <p:nvPr>
+            <p:ph type="body" idx="1"/>
+          </p:nvPr>
+        </p:nvSpPr>
+        <p:spPr/>
+        <p:txBody>
+          <a:bodyPr/>
+          <a:lstStyle/>
+          <a:p>
+            <a:pPr eaLnBrk="1" hangingPunct="1">
+              <a:spcBef>
+                <a:spcPct val="40000"/>
+              </a:spcBef>
+            </a:pPr>
+            <a:r>
+              <a:rPr lang="de-CH" dirty="0" smtClean="0"/>
+              <a:t>Die Aktivitäten und Entscheidungen werden in </a:t>
+            </a:r>
+            <a:r>
+              <a:rPr lang="de-CH" dirty="0"/>
+              <a:t>einem </a:t>
+            </a:r>
+            <a:r>
+              <a:rPr lang="de-CH" dirty="0"/>
+              <a:t>Blog festgehalten</a:t>
+            </a:r>
+            <a:r>
+              <a:rPr lang="de-CH" dirty="0" smtClean="0"/>
+              <a:t>.</a:t>
+            </a:r>
+            <a:endParaRPr lang="de-CH" dirty="0" smtClean="0"/>
+          </a:p>
+          <a:p>
+            <a:pPr marL="0" indent="0" algn="ctr" eaLnBrk="1" hangingPunct="1">
+              <a:spcBef>
+                <a:spcPct val="40000"/>
+              </a:spcBef>
+              <a:buNone/>
+            </a:pPr>
+            <a:r>
+              <a:rPr lang="de-CH" dirty="0" smtClean="0"/>
+              <a:t>		(</a:t>
+            </a:r>
+            <a:r>
+              <a:rPr lang="de-CH" dirty="0">
+                <a:solidFill>
+                  <a:schemeClr val="accent2">
+                    <a:lumMod val="75000"/>
+                  </a:schemeClr>
+                </a:solidFill>
+              </a:rPr>
+              <a:t>http://www.chaos-theory.ch/CS108</a:t>
+            </a:r>
+            <a:r>
+              <a:rPr lang="de-CH" dirty="0" smtClean="0">
+                <a:solidFill>
+                  <a:schemeClr val="accent2">
+                    <a:lumMod val="75000"/>
+                  </a:schemeClr>
+                </a:solidFill>
+              </a:rPr>
+              <a:t>/</a:t>
+            </a:r>
+            <a:r>
+              <a:rPr lang="de-CH" dirty="0" smtClean="0"/>
+              <a:t>)</a:t>
+            </a:r>
+            <a:endParaRPr lang="de-CH" dirty="0" smtClean="0"/>
+          </a:p>
+          <a:p>
+            <a:pPr eaLnBrk="1" hangingPunct="1">
+              <a:spcBef>
+                <a:spcPct val="40000"/>
+              </a:spcBef>
+            </a:pPr>
+            <a:r>
+              <a:rPr lang="de-CH" dirty="0" smtClean="0"/>
+              <a:t>Die Dokumentation des Spieles und Codes wird mittels Wiki und </a:t>
+            </a:r>
+            <a:r>
+              <a:rPr lang="de-CH" dirty="0" err="1" smtClean="0"/>
+              <a:t>Javadoc</a:t>
+            </a:r>
+            <a:r>
+              <a:rPr lang="de-CH" dirty="0" smtClean="0"/>
+              <a:t> erfolgen</a:t>
+            </a:r>
+          </a:p>
+          <a:p>
+            <a:pPr marL="0" indent="0" algn="ctr" eaLnBrk="1" hangingPunct="1">
+              <a:spcBef>
+                <a:spcPct val="40000"/>
+              </a:spcBef>
+              <a:buNone/>
+            </a:pPr>
+            <a:r>
+              <a:rPr lang="de-CH" dirty="0" smtClean="0"/>
+              <a:t>		(</a:t>
+            </a:r>
+            <a:r>
+              <a:rPr lang="de-CH" dirty="0" smtClean="0">
+                <a:solidFill>
+                  <a:srgbClr val="262699"/>
+                </a:solidFill>
+              </a:rPr>
+              <a:t>http</a:t>
+            </a:r>
+            <a:r>
+              <a:rPr lang="de-CH" dirty="0">
+                <a:solidFill>
+                  <a:srgbClr val="262699"/>
+                </a:solidFill>
+              </a:rPr>
+              <a:t>://chaos-theory.ch/CS108/wiki/</a:t>
+            </a:r>
+            <a:r>
+              <a:rPr lang="de-CH" dirty="0" smtClean="0">
+                <a:solidFill>
+                  <a:srgbClr val="262699"/>
+                </a:solidFill>
+              </a:rPr>
+              <a:t>doku.php</a:t>
+            </a:r>
+            <a:r>
+              <a:rPr lang="de-CH" dirty="0" smtClean="0"/>
+              <a:t>)</a:t>
+            </a:r>
+            <a:endParaRPr lang="de-CH" i="1" dirty="0" smtClean="0"/>
+          </a:p>
+        </p:txBody>
+      </p:sp>
+      <p:pic>
+        <p:nvPicPr>
+          <p:cNvPr id="2" name="Picture 1" descr="CS108 SwissDefcon_Blog.png"/>
+          <p:cNvPicPr>
+            <a:picLocks noChangeAspect="1"/>
+          </p:cNvPicPr>
+          <p:nvPr/>
+        </p:nvPicPr>
+        <p:blipFill>
+          <a:blip r:embed="rId2" cstate="print">
+            <a:extLst>
+              <a:ext uri="{28A0092B-C50C-407E-A947-70E740481C1C}">
+                <a14:useLocalDpi xmlns:a14="http://schemas.microsoft.com/office/drawing/2010/main" val="0"/>
+              </a:ext>
+            </a:extLst>
+          </a:blip>
+          <a:stretch>
+            <a:fillRect/>
+          </a:stretch>
+        </p:blipFill>
+        <p:spPr>
+          <a:xfrm>
+            <a:off x="971600" y="2420888"/>
+            <a:ext cx="2520280" cy="3997685"/>
+          </a:xfrm>
+          <a:prstGeom prst="rect">
+            <a:avLst/>
+          </a:prstGeom>
+        </p:spPr>
+      </p:pic>
+      <p:pic>
+        <p:nvPicPr>
+          <p:cNvPr id="4" name="Picture 3" descr="CS108_wiki.png"/>
+          <p:cNvPicPr>
+            <a:picLocks noChangeAspect="1"/>
+          </p:cNvPicPr>
+          <p:nvPr/>
+        </p:nvPicPr>
+        <p:blipFill>
+          <a:blip r:embed="rId3" cstate="print">
+            <a:extLst>
+              <a:ext uri="{28A0092B-C50C-407E-A947-70E740481C1C}">
+                <a14:useLocalDpi xmlns:a14="http://schemas.microsoft.com/office/drawing/2010/main" val="0"/>
+              </a:ext>
+            </a:extLst>
+          </a:blip>
+          <a:stretch>
+            <a:fillRect/>
+          </a:stretch>
+        </p:blipFill>
+        <p:spPr>
+          <a:xfrm>
+            <a:off x="3995936" y="3284984"/>
+            <a:ext cx="4584937" cy="1882833"/>
+          </a:xfrm>
+          <a:prstGeom prst="rect">
+            <a:avLst/>
+          </a:prstGeom>
+        </p:spPr>
+      </p:pic>
     </p:spTree>
   </p:cSld>
   <p:clrMapOvr>
     <a:masterClrMapping/>
   </p:clrMapOvr>
+  <p:timing>
+    <p:tnLst>
+      <p:par>
+        <p:cTn xmlns:p14="http://schemas.microsoft.com/office/powerpoint/2010/main" id="1" dur="indefinite" restart="never" nodeType="tmRoot"/>
+      </p:par>
+    </p:tnLst>
+  </p:timing>
 </p:sld>
 </file>
 

--- a/presentations/meilenstein1_v1.pptx
+++ b/presentations/meilenstein1_v1.pptx
@@ -5,10 +5,10 @@
     <p:sldMasterId id="2147483648" r:id="rId1"/>
   </p:sldMasterIdLst>
   <p:notesMasterIdLst>
-    <p:notesMasterId r:id="rId12"/>
+    <p:notesMasterId r:id="rId11"/>
   </p:notesMasterIdLst>
   <p:handoutMasterIdLst>
-    <p:handoutMasterId r:id="rId13"/>
+    <p:handoutMasterId r:id="rId12"/>
   </p:handoutMasterIdLst>
   <p:sldIdLst>
     <p:sldId id="410" r:id="rId2"/>
@@ -20,7 +20,6 @@
     <p:sldId id="430" r:id="rId8"/>
     <p:sldId id="411" r:id="rId9"/>
     <p:sldId id="425" r:id="rId10"/>
-    <p:sldId id="428" r:id="rId11"/>
   </p:sldIdLst>
   <p:sldSz cx="9144000" cy="6858000" type="screen4x3"/>
   <p:notesSz cx="7099300" cy="10234613"/>
@@ -4499,154 +4498,6 @@
 </p:sld>
 </file>
 
-<file path=ppt/slides/slide10.xml><?xml version="1.0" encoding="utf-8"?>
-<p:sld xmlns:a="http://schemas.openxmlformats.org/drawingml/2006/main" xmlns:r="http://schemas.openxmlformats.org/officeDocument/2006/relationships" xmlns:p="http://schemas.openxmlformats.org/presentationml/2006/main">
-  <p:cSld>
-    <p:spTree>
-      <p:nvGrpSpPr>
-        <p:cNvPr id="1" name=""/>
-        <p:cNvGrpSpPr/>
-        <p:nvPr/>
-      </p:nvGrpSpPr>
-      <p:grpSpPr>
-        <a:xfrm>
-          <a:off x="0" y="0"/>
-          <a:ext cx="0" cy="0"/>
-          <a:chOff x="0" y="0"/>
-          <a:chExt cx="0" cy="0"/>
-        </a:xfrm>
-      </p:grpSpPr>
-      <p:sp>
-        <p:nvSpPr>
-          <p:cNvPr id="2" name="Title 1"/>
-          <p:cNvSpPr>
-            <a:spLocks noGrp="1"/>
-          </p:cNvSpPr>
-          <p:nvPr>
-            <p:ph type="title"/>
-          </p:nvPr>
-        </p:nvSpPr>
-        <p:spPr/>
-        <p:txBody>
-          <a:bodyPr/>
-          <a:lstStyle/>
-          <a:p>
-            <a:endParaRPr lang="en-US" dirty="0"/>
-          </a:p>
-        </p:txBody>
-      </p:sp>
-      <p:sp>
-        <p:nvSpPr>
-          <p:cNvPr id="3" name="Content Placeholder 2"/>
-          <p:cNvSpPr>
-            <a:spLocks noGrp="1"/>
-          </p:cNvSpPr>
-          <p:nvPr>
-            <p:ph idx="1"/>
-          </p:nvPr>
-        </p:nvSpPr>
-        <p:spPr/>
-        <p:txBody>
-          <a:bodyPr/>
-          <a:lstStyle/>
-          <a:p>
-            <a:r>
-              <a:rPr lang="de-CH" i="1" dirty="0" smtClean="0"/>
-              <a:t>Falls es weitere wichtige Informationen zum Spiel, zu Ihrem Projekt, zur Gruppenarbeit, etc. gibt, dann bitte hier diskutieren</a:t>
-            </a:r>
-            <a:endParaRPr lang="en-US" i="1" dirty="0"/>
-          </a:p>
-        </p:txBody>
-      </p:sp>
-      <p:sp>
-        <p:nvSpPr>
-          <p:cNvPr id="4" name="Date Placeholder 3"/>
-          <p:cNvSpPr>
-            <a:spLocks noGrp="1"/>
-          </p:cNvSpPr>
-          <p:nvPr>
-            <p:ph type="dt" sz="half" idx="10"/>
-          </p:nvPr>
-        </p:nvSpPr>
-        <p:spPr/>
-        <p:txBody>
-          <a:bodyPr/>
-          <a:lstStyle/>
-          <a:p>
-            <a:pPr>
-              <a:defRPr/>
-            </a:pPr>
-            <a:r>
-              <a:rPr lang="en-US" smtClean="0"/>
-              <a:t>FS 2012</a:t>
-            </a:r>
-            <a:endParaRPr lang="de-AT"/>
-          </a:p>
-        </p:txBody>
-      </p:sp>
-      <p:sp>
-        <p:nvSpPr>
-          <p:cNvPr id="5" name="Footer Placeholder 4"/>
-          <p:cNvSpPr>
-            <a:spLocks noGrp="1"/>
-          </p:cNvSpPr>
-          <p:nvPr>
-            <p:ph type="ftr" sz="quarter" idx="11"/>
-          </p:nvPr>
-        </p:nvSpPr>
-        <p:spPr/>
-        <p:txBody>
-          <a:bodyPr/>
-          <a:lstStyle/>
-          <a:p>
-            <a:pPr>
-              <a:defRPr/>
-            </a:pPr>
-            <a:r>
-              <a:rPr lang="de-AT" smtClean="0"/>
-              <a:t>cs108 – Meilenstein I   </a:t>
-            </a:r>
-            <a:endParaRPr lang="de-AT"/>
-          </a:p>
-        </p:txBody>
-      </p:sp>
-      <p:sp>
-        <p:nvSpPr>
-          <p:cNvPr id="6" name="Slide Number Placeholder 5"/>
-          <p:cNvSpPr>
-            <a:spLocks noGrp="1"/>
-          </p:cNvSpPr>
-          <p:nvPr>
-            <p:ph type="sldNum" sz="quarter" idx="12"/>
-          </p:nvPr>
-        </p:nvSpPr>
-        <p:spPr/>
-        <p:txBody>
-          <a:bodyPr/>
-          <a:lstStyle/>
-          <a:p>
-            <a:pPr>
-              <a:defRPr/>
-            </a:pPr>
-            <a:fld id="{9629D89E-9C9E-4E60-BF0D-78BD315CFFE9}" type="slidenum">
-              <a:rPr lang="de-AT" smtClean="0"/>
-              <a:pPr>
-                <a:defRPr/>
-              </a:pPr>
-              <a:t>10</a:t>
-            </a:fld>
-            <a:endParaRPr lang="de-AT"/>
-          </a:p>
-        </p:txBody>
-      </p:sp>
-    </p:spTree>
-  </p:cSld>
-  <p:clrMapOvr>
-    <a:masterClrMapping/>
-  </p:clrMapOvr>
-</p:sld>
-</file>
-
 <file path=ppt/slides/slide2.xml><?xml version="1.0" encoding="utf-8"?>
 <p:sld xmlns:a="http://schemas.openxmlformats.org/drawingml/2006/main" xmlns:r="http://schemas.openxmlformats.org/officeDocument/2006/relationships" xmlns:p="http://schemas.openxmlformats.org/presentationml/2006/main">
   <p:cSld>
@@ -4843,11 +4694,7 @@
             </a:r>
             <a:r>
               <a:rPr lang="de-DE" dirty="0"/>
-              <a:t>und damit </a:t>
-            </a:r>
-            <a:r>
-              <a:rPr lang="de-DE" dirty="0"/>
-              <a:t>m</a:t>
+              <a:t>und damit m</a:t>
             </a:r>
             <a:r>
               <a:rPr lang="de-DE" dirty="0" smtClean="0"/>
@@ -5300,13 +5147,8 @@
             </a:pPr>
             <a:r>
               <a:rPr lang="de-DE" dirty="0" smtClean="0"/>
-              <a:t>Das Spiel ist </a:t>
-            </a:r>
-            <a:r>
-              <a:rPr lang="de-DE" dirty="0" smtClean="0"/>
-              <a:t>rundenbasiert</a:t>
-            </a:r>
-            <a:endParaRPr lang="de-DE" dirty="0" smtClean="0"/>
+              <a:t>Das Spiel ist rundenbasiert</a:t>
+            </a:r>
           </a:p>
           <a:p>
             <a:pPr eaLnBrk="1" hangingPunct="1">
@@ -5371,7 +5213,6 @@
               <a:rPr lang="de-DE" dirty="0" smtClean="0"/>
               <a:t> dies sein Budget erlaubt</a:t>
             </a:r>
-            <a:endParaRPr lang="de-DE" dirty="0" smtClean="0"/>
           </a:p>
           <a:p>
             <a:pPr eaLnBrk="1" hangingPunct="1">
@@ -5389,19 +5230,7 @@
             </a:r>
             <a:r>
               <a:rPr lang="de-DE" dirty="0" smtClean="0"/>
-              <a:t>blauf </a:t>
-            </a:r>
-            <a:r>
-              <a:rPr lang="de-DE" dirty="0" smtClean="0"/>
-              <a:t>der Zeit/Ende der Runde </a:t>
-            </a:r>
-            <a:r>
-              <a:rPr lang="de-DE" dirty="0" smtClean="0"/>
-              <a:t>werden die gesetzten Spielzüge ausgeführt</a:t>
-            </a:r>
-            <a:r>
-              <a:rPr lang="de-DE" dirty="0" smtClean="0"/>
-              <a:t>.</a:t>
+              <a:t>blauf der Zeit/Ende der Runde werden die gesetzten Spielzüge ausgeführt.</a:t>
             </a:r>
           </a:p>
           <a:p>
@@ -5425,7 +5254,6 @@
               <a:rPr lang="de-DE" dirty="0" smtClean="0"/>
               <a:t>Der Spieler der nach einer gewissen Anzahl Runden am meisten Geld hat gewinnt</a:t>
             </a:r>
-            <a:endParaRPr lang="de-DE" dirty="0" smtClean="0"/>
           </a:p>
         </p:txBody>
       </p:sp>
@@ -5622,18 +5450,63 @@
             <a:pPr lvl="2" eaLnBrk="1" hangingPunct="1"/>
             <a:r>
               <a:rPr lang="de-CH" dirty="0" smtClean="0"/>
-              <a:t>Aktuelle Runde</a:t>
-            </a:r>
-          </a:p>
-          <a:p>
-            <a:pPr eaLnBrk="1" hangingPunct="1"/>
+              <a:t>Aktuelle </a:t>
+            </a:r>
+            <a:r>
+              <a:rPr lang="de-CH" dirty="0" smtClean="0"/>
+              <a:t>Runde</a:t>
+            </a:r>
+          </a:p>
+          <a:p>
+            <a:pPr lvl="2" eaLnBrk="1" hangingPunct="1"/>
+            <a:r>
+              <a:rPr lang="de-CH" dirty="0" smtClean="0"/>
+              <a:t>Verbindungsunterbrüche</a:t>
+            </a:r>
+          </a:p>
+          <a:p>
+            <a:pPr lvl="2" eaLnBrk="1" hangingPunct="1"/>
             <a:endParaRPr lang="de-CH" dirty="0" smtClean="0"/>
           </a:p>
           <a:p>
+            <a:pPr lvl="1" eaLnBrk="1" hangingPunct="1"/>
+            <a:r>
+              <a:rPr lang="de-CH" dirty="0" smtClean="0"/>
+              <a:t>Client stellt die Lobby und den Chat zur Verfügung</a:t>
+            </a:r>
+          </a:p>
+          <a:p>
+            <a:pPr lvl="2" eaLnBrk="1" hangingPunct="1"/>
+            <a:r>
+              <a:rPr lang="en-US" dirty="0" smtClean="0"/>
+              <a:t>E</a:t>
+            </a:r>
+            <a:r>
+              <a:rPr lang="de-CH" dirty="0" err="1" smtClean="0"/>
+              <a:t>rmöglicht</a:t>
+            </a:r>
+            <a:r>
+              <a:rPr lang="de-CH" dirty="0" smtClean="0"/>
+              <a:t> das erstellen von Spielen auf dem Server</a:t>
+            </a:r>
+          </a:p>
+          <a:p>
             <a:pPr lvl="1"/>
             <a:r>
               <a:rPr lang="de-CH" dirty="0" smtClean="0"/>
-              <a:t>Client stellt den Spielstand dar</a:t>
+              <a:t>Client </a:t>
+            </a:r>
+            <a:r>
+              <a:rPr lang="de-CH" dirty="0" smtClean="0"/>
+              <a:t>stellt den </a:t>
+            </a:r>
+            <a:r>
+              <a:rPr lang="de-CH" dirty="0" smtClean="0"/>
+              <a:t>aktuellen Spielstand </a:t>
+            </a:r>
+            <a:r>
+              <a:rPr lang="de-CH" dirty="0" smtClean="0"/>
+              <a:t>dar</a:t>
             </a:r>
           </a:p>
           <a:p>
@@ -5647,8 +5520,13 @@
             <a:pPr lvl="2"/>
             <a:r>
               <a:rPr lang="de-CH" dirty="0" smtClean="0"/>
-              <a:t>Erfasst alle Spielzüge bis zur nächsten Runde</a:t>
-            </a:r>
+              <a:t>Erfasst alle Spielzüge bis zur nächsten </a:t>
+            </a:r>
+            <a:r>
+              <a:rPr lang="de-CH" dirty="0" smtClean="0"/>
+              <a:t>Runde (Input mit der Maus)</a:t>
+            </a:r>
+            <a:endParaRPr lang="de-CH" dirty="0"/>
           </a:p>
         </p:txBody>
       </p:sp>
@@ -5877,6 +5755,16 @@
           <a:p>
             <a:r>
               <a:rPr lang="en-US" sz="2000" dirty="0" err="1" smtClean="0"/>
+              <a:t>Anmelden</a:t>
+            </a:r>
+            <a:r>
+              <a:rPr lang="en-US" sz="2000" dirty="0" smtClean="0"/>
+              <a:t> / Login</a:t>
+            </a:r>
+          </a:p>
+          <a:p>
+            <a:r>
+              <a:rPr lang="en-US" sz="2000" dirty="0" err="1" smtClean="0"/>
               <a:t>Chatnachrichten</a:t>
             </a:r>
             <a:endParaRPr lang="en-US" sz="2000" dirty="0" smtClean="0"/>
@@ -5892,7 +5780,11 @@
             </a:r>
             <a:r>
               <a:rPr lang="en-US" sz="2000" dirty="0" smtClean="0"/>
-              <a:t> / </a:t>
+              <a:t> </a:t>
+            </a:r>
+            <a:r>
+              <a:rPr lang="en-US" sz="2000" dirty="0" smtClean="0"/>
+              <a:t>/ </a:t>
             </a:r>
             <a:r>
               <a:rPr lang="en-US" sz="2000" dirty="0" err="1" smtClean="0"/>
@@ -6342,6 +6234,18 @@
             <a:r>
               <a:rPr lang="en-US" sz="2000" dirty="0" err="1" smtClean="0"/>
               <a:t>Aktive</a:t>
+            </a:r>
+            <a:r>
+              <a:rPr lang="en-US" sz="2000" dirty="0" smtClean="0"/>
+              <a:t> </a:t>
+            </a:r>
+            <a:r>
+              <a:rPr lang="en-US" sz="2000" dirty="0" smtClean="0"/>
+              <a:t>/ </a:t>
+            </a:r>
+            <a:r>
+              <a:rPr lang="en-US" sz="2000" dirty="0" err="1" smtClean="0"/>
+              <a:t>offene</a:t>
             </a:r>
             <a:r>
               <a:rPr lang="en-US" sz="2000" dirty="0" smtClean="0"/>
@@ -7102,17 +7006,12 @@
             </a:r>
             <a:r>
               <a:rPr lang="de-CH" dirty="0"/>
-              <a:t>einem </a:t>
-            </a:r>
-            <a:r>
-              <a:rPr lang="de-CH" dirty="0"/>
-              <a:t>Blog festgehalten</a:t>
+              <a:t>einem Blog festgehalten</a:t>
             </a:r>
             <a:r>
               <a:rPr lang="de-CH" dirty="0" smtClean="0"/>
               <a:t>.</a:t>
             </a:r>
-            <a:endParaRPr lang="de-CH" dirty="0" smtClean="0"/>
           </a:p>
           <a:p>
             <a:pPr marL="0" indent="0" algn="ctr" eaLnBrk="1" hangingPunct="1">
@@ -7149,7 +7048,6 @@
               <a:rPr lang="de-CH" dirty="0" smtClean="0"/>
               <a:t>)</a:t>
             </a:r>
-            <a:endParaRPr lang="de-CH" dirty="0" smtClean="0"/>
           </a:p>
           <a:p>
             <a:pPr eaLnBrk="1" hangingPunct="1">
